--- a/web/g22/status/Status5.pptx
+++ b/web/g22/status/Status5.pptx
@@ -5,16 +5,15 @@
     <p:sldMasterId id="2147483648" r:id="rId1"/>
   </p:sldMasterIdLst>
   <p:notesMasterIdLst>
-    <p:notesMasterId r:id="rId6"/>
+    <p:notesMasterId r:id="rId5"/>
   </p:notesMasterIdLst>
   <p:handoutMasterIdLst>
-    <p:handoutMasterId r:id="rId7"/>
+    <p:handoutMasterId r:id="rId6"/>
   </p:handoutMasterIdLst>
   <p:sldIdLst>
     <p:sldId id="383" r:id="rId2"/>
     <p:sldId id="389" r:id="rId3"/>
     <p:sldId id="386" r:id="rId4"/>
-    <p:sldId id="385" r:id="rId5"/>
   </p:sldIdLst>
   <p:sldSz cx="9144000" cy="6858000" type="screen4x3"/>
   <p:notesSz cx="7099300" cy="10234613"/>
@@ -151,7 +150,6 @@
             <p14:sldId id="383"/>
             <p14:sldId id="389"/>
             <p14:sldId id="386"/>
-            <p14:sldId id="385"/>
           </p14:sldIdLst>
         </p14:section>
       </p14:sectionLst>
@@ -2009,283 +2007,6 @@
     <p:extLst>
       <p:ext uri="{BB962C8B-B14F-4D97-AF65-F5344CB8AC3E}">
         <p14:creationId xmlns:p14="http://schemas.microsoft.com/office/powerpoint/2010/main" val="2666246785"/>
-      </p:ext>
-    </p:extLst>
-  </p:cSld>
-  <p:clrMapOvr>
-    <a:masterClrMapping/>
-  </p:clrMapOvr>
-</p:notes>
-</file>
-
-<file path=ppt/notesSlides/notesSlide4.xml><?xml version="1.0" encoding="utf-8"?>
-<p:notes xmlns:a="http://schemas.openxmlformats.org/drawingml/2006/main" xmlns:r="http://schemas.openxmlformats.org/officeDocument/2006/relationships" xmlns:p="http://schemas.openxmlformats.org/presentationml/2006/main">
-  <p:cSld>
-    <p:spTree>
-      <p:nvGrpSpPr>
-        <p:cNvPr id="1" name=""/>
-        <p:cNvGrpSpPr/>
-        <p:nvPr/>
-      </p:nvGrpSpPr>
-      <p:grpSpPr>
-        <a:xfrm>
-          <a:off x="0" y="0"/>
-          <a:ext cx="0" cy="0"/>
-          <a:chOff x="0" y="0"/>
-          <a:chExt cx="0" cy="0"/>
-        </a:xfrm>
-      </p:grpSpPr>
-      <p:sp>
-        <p:nvSpPr>
-          <p:cNvPr id="22530" name="Rectangle 7"/>
-          <p:cNvSpPr>
-            <a:spLocks noGrp="1" noChangeArrowheads="1"/>
-          </p:cNvSpPr>
-          <p:nvPr>
-            <p:ph type="sldNum" sz="quarter" idx="5"/>
-          </p:nvPr>
-        </p:nvSpPr>
-        <p:spPr>
-          <a:noFill/>
-          <a:ln/>
-          <a:extLst>
-            <a:ext uri="{909E8E84-426E-40DD-AFC4-6F175D3DCCD1}">
-              <a14:hiddenFill xmlns:a14="http://schemas.microsoft.com/office/drawing/2010/main">
-                <a:solidFill>
-                  <a:srgbClr val="FFFFFF"/>
-                </a:solidFill>
-              </a14:hiddenFill>
-            </a:ext>
-            <a:ext uri="{91240B29-F687-4F45-9708-019B960494DF}">
-              <a14:hiddenLine xmlns:a14="http://schemas.microsoft.com/office/drawing/2010/main" w="9525">
-                <a:solidFill>
-                  <a:srgbClr val="000000"/>
-                </a:solidFill>
-                <a:miter lim="800000"/>
-                <a:headEnd/>
-                <a:tailEnd/>
-              </a14:hiddenLine>
-            </a:ext>
-          </a:extLst>
-        </p:spPr>
-        <p:txBody>
-          <a:bodyPr/>
-          <a:lstStyle>
-            <a:lvl1pPr defTabSz="990528" eaLnBrk="0" hangingPunct="0">
-              <a:spcBef>
-                <a:spcPct val="30000"/>
-              </a:spcBef>
-              <a:defRPr sz="1200">
-                <a:solidFill>
-                  <a:schemeClr val="tx1"/>
-                </a:solidFill>
-                <a:latin typeface="Times New Roman" pitchFamily="18" charset="0"/>
-                <a:ea typeface="ＭＳ Ｐゴシック" pitchFamily="34" charset="-128"/>
-              </a:defRPr>
-            </a:lvl1pPr>
-            <a:lvl2pPr marL="742897" indent="-285730" defTabSz="990528" eaLnBrk="0" hangingPunct="0">
-              <a:spcBef>
-                <a:spcPct val="30000"/>
-              </a:spcBef>
-              <a:defRPr sz="1200">
-                <a:solidFill>
-                  <a:schemeClr val="tx1"/>
-                </a:solidFill>
-                <a:latin typeface="Times New Roman" pitchFamily="18" charset="0"/>
-                <a:ea typeface="ＭＳ Ｐゴシック" pitchFamily="34" charset="-128"/>
-              </a:defRPr>
-            </a:lvl2pPr>
-            <a:lvl3pPr marL="1142918" indent="-228584" defTabSz="990528" eaLnBrk="0" hangingPunct="0">
-              <a:spcBef>
-                <a:spcPct val="30000"/>
-              </a:spcBef>
-              <a:defRPr sz="1200">
-                <a:solidFill>
-                  <a:schemeClr val="tx1"/>
-                </a:solidFill>
-                <a:latin typeface="Times New Roman" pitchFamily="18" charset="0"/>
-                <a:ea typeface="ＭＳ Ｐゴシック" pitchFamily="34" charset="-128"/>
-              </a:defRPr>
-            </a:lvl3pPr>
-            <a:lvl4pPr marL="1600085" indent="-228584" defTabSz="990528" eaLnBrk="0" hangingPunct="0">
-              <a:spcBef>
-                <a:spcPct val="30000"/>
-              </a:spcBef>
-              <a:defRPr sz="1200">
-                <a:solidFill>
-                  <a:schemeClr val="tx1"/>
-                </a:solidFill>
-                <a:latin typeface="Times New Roman" pitchFamily="18" charset="0"/>
-                <a:ea typeface="ＭＳ Ｐゴシック" pitchFamily="34" charset="-128"/>
-              </a:defRPr>
-            </a:lvl4pPr>
-            <a:lvl5pPr marL="2057252" indent="-228584" defTabSz="990528" eaLnBrk="0" hangingPunct="0">
-              <a:spcBef>
-                <a:spcPct val="30000"/>
-              </a:spcBef>
-              <a:defRPr sz="1200">
-                <a:solidFill>
-                  <a:schemeClr val="tx1"/>
-                </a:solidFill>
-                <a:latin typeface="Times New Roman" pitchFamily="18" charset="0"/>
-                <a:ea typeface="ＭＳ Ｐゴシック" pitchFamily="34" charset="-128"/>
-              </a:defRPr>
-            </a:lvl5pPr>
-            <a:lvl6pPr marL="2514419" indent="-228584" defTabSz="990528" eaLnBrk="0" fontAlgn="base" hangingPunct="0">
-              <a:spcBef>
-                <a:spcPct val="30000"/>
-              </a:spcBef>
-              <a:spcAft>
-                <a:spcPct val="0"/>
-              </a:spcAft>
-              <a:defRPr sz="1200">
-                <a:solidFill>
-                  <a:schemeClr val="tx1"/>
-                </a:solidFill>
-                <a:latin typeface="Times New Roman" pitchFamily="18" charset="0"/>
-                <a:ea typeface="ＭＳ Ｐゴシック" pitchFamily="34" charset="-128"/>
-              </a:defRPr>
-            </a:lvl6pPr>
-            <a:lvl7pPr marL="2971585" indent="-228584" defTabSz="990528" eaLnBrk="0" fontAlgn="base" hangingPunct="0">
-              <a:spcBef>
-                <a:spcPct val="30000"/>
-              </a:spcBef>
-              <a:spcAft>
-                <a:spcPct val="0"/>
-              </a:spcAft>
-              <a:defRPr sz="1200">
-                <a:solidFill>
-                  <a:schemeClr val="tx1"/>
-                </a:solidFill>
-                <a:latin typeface="Times New Roman" pitchFamily="18" charset="0"/>
-                <a:ea typeface="ＭＳ Ｐゴシック" pitchFamily="34" charset="-128"/>
-              </a:defRPr>
-            </a:lvl7pPr>
-            <a:lvl8pPr marL="3428752" indent="-228584" defTabSz="990528" eaLnBrk="0" fontAlgn="base" hangingPunct="0">
-              <a:spcBef>
-                <a:spcPct val="30000"/>
-              </a:spcBef>
-              <a:spcAft>
-                <a:spcPct val="0"/>
-              </a:spcAft>
-              <a:defRPr sz="1200">
-                <a:solidFill>
-                  <a:schemeClr val="tx1"/>
-                </a:solidFill>
-                <a:latin typeface="Times New Roman" pitchFamily="18" charset="0"/>
-                <a:ea typeface="ＭＳ Ｐゴシック" pitchFamily="34" charset="-128"/>
-              </a:defRPr>
-            </a:lvl8pPr>
-            <a:lvl9pPr marL="3885919" indent="-228584" defTabSz="990528" eaLnBrk="0" fontAlgn="base" hangingPunct="0">
-              <a:spcBef>
-                <a:spcPct val="30000"/>
-              </a:spcBef>
-              <a:spcAft>
-                <a:spcPct val="0"/>
-              </a:spcAft>
-              <a:defRPr sz="1200">
-                <a:solidFill>
-                  <a:schemeClr val="tx1"/>
-                </a:solidFill>
-                <a:latin typeface="Times New Roman" pitchFamily="18" charset="0"/>
-                <a:ea typeface="ＭＳ Ｐゴシック" pitchFamily="34" charset="-128"/>
-              </a:defRPr>
-            </a:lvl9pPr>
-          </a:lstStyle>
-          <a:p>
-            <a:pPr eaLnBrk="1" hangingPunct="1">
-              <a:spcBef>
-                <a:spcPct val="0"/>
-              </a:spcBef>
-            </a:pPr>
-            <a:fld id="{392CB419-FA32-4238-A473-EBED58FF00DE}" type="slidenum">
-              <a:rPr lang="da-DK" altLang="da-DK" sz="1300">
-                <a:solidFill>
-                  <a:srgbClr val="CC0000"/>
-                </a:solidFill>
-              </a:rPr>
-              <a:pPr eaLnBrk="1" hangingPunct="1">
-                <a:spcBef>
-                  <a:spcPct val="0"/>
-                </a:spcBef>
-              </a:pPr>
-              <a:t>4</a:t>
-            </a:fld>
-            <a:endParaRPr lang="da-DK" altLang="da-DK" sz="1300">
-              <a:solidFill>
-                <a:srgbClr val="CC0000"/>
-              </a:solidFill>
-            </a:endParaRPr>
-          </a:p>
-        </p:txBody>
-      </p:sp>
-      <p:sp>
-        <p:nvSpPr>
-          <p:cNvPr id="22531" name="Rectangle 2"/>
-          <p:cNvSpPr>
-            <a:spLocks noGrp="1" noRot="1" noChangeAspect="1" noChangeArrowheads="1" noTextEdit="1"/>
-          </p:cNvSpPr>
-          <p:nvPr>
-            <p:ph type="sldImg"/>
-          </p:nvPr>
-        </p:nvSpPr>
-        <p:spPr>
-          <a:xfrm>
-            <a:off x="992188" y="768350"/>
-            <a:ext cx="5114925" cy="3836988"/>
-          </a:xfrm>
-          <a:ln/>
-        </p:spPr>
-      </p:sp>
-      <p:sp>
-        <p:nvSpPr>
-          <p:cNvPr id="22532" name="Rectangle 3"/>
-          <p:cNvSpPr>
-            <a:spLocks noGrp="1" noChangeArrowheads="1"/>
-          </p:cNvSpPr>
-          <p:nvPr>
-            <p:ph type="body" idx="1"/>
-          </p:nvPr>
-        </p:nvSpPr>
-        <p:spPr>
-          <a:noFill/>
-          <a:ln/>
-          <a:extLst>
-            <a:ext uri="{909E8E84-426E-40DD-AFC4-6F175D3DCCD1}">
-              <a14:hiddenFill xmlns:a14="http://schemas.microsoft.com/office/drawing/2010/main">
-                <a:solidFill>
-                  <a:srgbClr val="FFFFFF"/>
-                </a:solidFill>
-              </a14:hiddenFill>
-            </a:ext>
-            <a:ext uri="{91240B29-F687-4F45-9708-019B960494DF}">
-              <a14:hiddenLine xmlns:a14="http://schemas.microsoft.com/office/drawing/2010/main" w="9525">
-                <a:solidFill>
-                  <a:srgbClr val="000000"/>
-                </a:solidFill>
-                <a:miter lim="800000"/>
-                <a:headEnd/>
-                <a:tailEnd/>
-              </a14:hiddenLine>
-            </a:ext>
-          </a:extLst>
-        </p:spPr>
-        <p:txBody>
-          <a:bodyPr/>
-          <a:lstStyle/>
-          <a:p>
-            <a:pPr eaLnBrk="1" hangingPunct="1"/>
-            <a:endParaRPr lang="en-US" altLang="da-DK" smtClean="0">
-              <a:latin typeface="Times New Roman" pitchFamily="18" charset="0"/>
-              <a:ea typeface="ＭＳ Ｐゴシック" pitchFamily="34" charset="-128"/>
-            </a:endParaRPr>
-          </a:p>
-        </p:txBody>
-      </p:sp>
-    </p:spTree>
-    <p:extLst>
-      <p:ext uri="{BB962C8B-B14F-4D97-AF65-F5344CB8AC3E}">
-        <p14:creationId xmlns:p14="http://schemas.microsoft.com/office/powerpoint/2010/main" val="440789580"/>
       </p:ext>
     </p:extLst>
   </p:cSld>
@@ -4030,11 +3751,7 @@
             </a:pPr>
             <a:r>
               <a:rPr lang="da-DK" sz="3200" dirty="0" smtClean="0"/>
-              <a:t>Status ved start af seminar </a:t>
-            </a:r>
-            <a:r>
-              <a:rPr lang="da-DK" sz="3200" dirty="0" smtClean="0"/>
-              <a:t>5</a:t>
+              <a:t>Status ved start af seminar 5</a:t>
             </a:r>
             <a:endParaRPr lang="da-DK" altLang="da-DK" sz="3200" kern="0" dirty="0" smtClean="0">
               <a:ea typeface="ＭＳ Ｐゴシック" pitchFamily="34" charset="-128"/>
@@ -4052,7 +3769,7 @@
         </p:nvSpPr>
         <p:spPr bwMode="auto">
           <a:xfrm>
-            <a:off x="482908" y="1196752"/>
+            <a:off x="447451" y="1124744"/>
             <a:ext cx="8411757" cy="2808312"/>
           </a:xfrm>
           <a:prstGeom prst="rect">
@@ -4233,8 +3950,12 @@
               </a:spcBef>
             </a:pPr>
             <a:r>
+              <a:rPr lang="da-DK" sz="1600" dirty="0" smtClean="0"/>
+              <a:t>9.15 </a:t>
+            </a:r>
+            <a:r>
               <a:rPr lang="da-DK" sz="1600" dirty="0"/>
-              <a:t>9.00 Køreprøve</a:t>
+              <a:t>Køreprøve</a:t>
             </a:r>
           </a:p>
           <a:p>
@@ -4245,7 +3966,7 @@
             </a:pPr>
             <a:r>
               <a:rPr lang="da-DK" sz="1600" dirty="0"/>
-              <a:t>10.00 Status</a:t>
+              <a:t>10.15 Status info</a:t>
             </a:r>
           </a:p>
           <a:p>
@@ -4256,7 +3977,7 @@
             </a:pPr>
             <a:r>
               <a:rPr lang="da-DK" sz="1600" dirty="0"/>
-              <a:t>10.15 Forelæsning (med en kort pause midtvejs)</a:t>
+              <a:t>10.30 Forelæsning (med en kort pause midtvejs)</a:t>
             </a:r>
           </a:p>
           <a:p>
@@ -4267,7 +3988,7 @@
             </a:pPr>
             <a:r>
               <a:rPr lang="da-DK" sz="1600" dirty="0"/>
-              <a:t>12.30 Frokostpause</a:t>
+              <a:t>12.15 Frokostpause</a:t>
             </a:r>
           </a:p>
           <a:p>
@@ -4289,7 +4010,7 @@
             </a:pPr>
             <a:r>
               <a:rPr lang="da-DK" sz="1600" dirty="0"/>
-              <a:t>14.30 Øvelser omkring afleveringsopgaven Dronninger</a:t>
+              <a:t>15.00 Øvelser omkring Dronningeopgaven</a:t>
             </a:r>
           </a:p>
           <a:p>
@@ -4300,17 +4021,91 @@
             </a:pPr>
             <a:r>
               <a:rPr lang="da-DK" sz="1600" dirty="0"/>
-              <a:t>17.00 Slut</a:t>
-            </a:r>
-            <a:endParaRPr lang="da-DK" sz="1100" dirty="0" smtClean="0"/>
+              <a:t>17.00 </a:t>
+            </a:r>
+            <a:r>
+              <a:rPr lang="da-DK" sz="1600" dirty="0" smtClean="0"/>
+              <a:t>Slut</a:t>
+            </a:r>
           </a:p>
           <a:p>
             <a:pPr marL="742950" lvl="1" indent="-285750">
               <a:spcBef>
-                <a:spcPts val="400"/>
+                <a:spcPts val="600"/>
               </a:spcBef>
             </a:pPr>
-            <a:endParaRPr lang="da-DK" sz="1100" dirty="0"/>
+            <a:endParaRPr lang="da-DK" sz="1600" dirty="0"/>
+          </a:p>
+        </p:txBody>
+      </p:sp>
+      <p:sp>
+        <p:nvSpPr>
+          <p:cNvPr id="5" name="Rectangle 4"/>
+          <p:cNvSpPr/>
+          <p:nvPr/>
+        </p:nvSpPr>
+        <p:spPr>
+          <a:xfrm rot="21139590">
+            <a:off x="4160584" y="3671445"/>
+            <a:ext cx="3194024" cy="523220"/>
+          </a:xfrm>
+          <a:prstGeom prst="rect">
+            <a:avLst/>
+          </a:prstGeom>
+          <a:noFill/>
+        </p:spPr>
+        <p:txBody>
+          <a:bodyPr wrap="square">
+            <a:spAutoFit/>
+            <a:scene3d>
+              <a:camera prst="orthographicFront"/>
+              <a:lightRig rig="flat" dir="tl">
+                <a:rot lat="0" lon="0" rev="6600000"/>
+              </a:lightRig>
+            </a:scene3d>
+            <a:sp3d extrusionH="25400" contourW="8890">
+              <a:bevelT w="38100" h="31750"/>
+              <a:contourClr>
+                <a:schemeClr val="accent2">
+                  <a:shade val="75000"/>
+                </a:schemeClr>
+              </a:contourClr>
+            </a:sp3d>
+          </a:bodyPr>
+          <a:lstStyle/>
+          <a:p>
+            <a:pPr algn="ctr">
+              <a:defRPr/>
+            </a:pPr>
+            <a:r>
+              <a:rPr lang="da-DK" sz="2800" b="1" dirty="0" smtClean="0">
+                <a:ln w="11430"/>
+                <a:solidFill>
+                  <a:srgbClr val="CC0000"/>
+                </a:solidFill>
+                <a:effectLst>
+                  <a:outerShdw blurRad="50800" dist="39000" dir="5460000" algn="tl">
+                    <a:srgbClr val="000000">
+                      <a:alpha val="38000"/>
+                    </a:srgbClr>
+                  </a:outerShdw>
+                </a:effectLst>
+              </a:rPr>
+              <a:t>Start optagelse</a:t>
+            </a:r>
+            <a:endParaRPr lang="da-DK" sz="3200" b="1" dirty="0">
+              <a:ln w="11430"/>
+              <a:solidFill>
+                <a:srgbClr val="CC0000"/>
+              </a:solidFill>
+              <a:effectLst>
+                <a:outerShdw blurRad="50800" dist="39000" dir="5460000" algn="tl">
+                  <a:srgbClr val="000000">
+                    <a:alpha val="38000"/>
+                  </a:srgbClr>
+                </a:outerShdw>
+              </a:effectLst>
+            </a:endParaRPr>
           </a:p>
         </p:txBody>
       </p:sp>
@@ -4728,10 +4523,112 @@
                   <a:srgbClr val="A50021"/>
                 </a:solidFill>
               </a:rPr>
-              <a:t>I Quiz </a:t>
-            </a:r>
-            <a:r>
-              <a:rPr lang="da-DK" altLang="da-DK" sz="1800" b="1" spc="-80" dirty="0" smtClean="0">
+              <a:t>I Quiz 4 var jeres gennemsnitlige vurdering af pensummets sværhedsgrad 3,63</a:t>
+            </a:r>
+          </a:p>
+          <a:p>
+            <a:pPr marL="742950" lvl="1" indent="-285750">
+              <a:spcBef>
+                <a:spcPts val="600"/>
+              </a:spcBef>
+            </a:pPr>
+            <a:r>
+              <a:rPr lang="da-DK" altLang="da-DK" sz="1600" dirty="0" smtClean="0"/>
+              <a:t>Det er </a:t>
+            </a:r>
+            <a:r>
+              <a:rPr lang="da-DK" altLang="da-DK" sz="1600" dirty="0" smtClean="0"/>
+              <a:t>meget </a:t>
+            </a:r>
+            <a:r>
+              <a:rPr lang="da-DK" altLang="da-DK" sz="1600" dirty="0" smtClean="0"/>
+              <a:t>lavere end sidste gang, hvor den var </a:t>
+            </a:r>
+            <a:r>
+              <a:rPr lang="da-DK" altLang="da-DK" sz="1600" dirty="0" smtClean="0"/>
+              <a:t>3,92</a:t>
+            </a:r>
+          </a:p>
+          <a:p>
+            <a:pPr marL="742950" lvl="1" indent="-285750">
+              <a:spcBef>
+                <a:spcPts val="600"/>
+              </a:spcBef>
+            </a:pPr>
+            <a:r>
+              <a:rPr lang="da-DK" altLang="da-DK" sz="1600" dirty="0" smtClean="0"/>
+              <a:t>Nogle skriver i kommentarerne, at de ikke helt forstår interfaces</a:t>
+            </a:r>
+          </a:p>
+          <a:p>
+            <a:pPr marL="742950" lvl="1" indent="-285750">
+              <a:spcBef>
+                <a:spcPts val="600"/>
+              </a:spcBef>
+            </a:pPr>
+            <a:r>
+              <a:rPr lang="da-DK" altLang="da-DK" sz="1600" dirty="0"/>
+              <a:t>D</a:t>
+            </a:r>
+            <a:r>
+              <a:rPr lang="da-DK" altLang="da-DK" sz="1600" dirty="0" smtClean="0"/>
+              <a:t>et er noget, som vi kommer tilbage til på seminar 7, hvor der er en forelæsning om interfaces og abstrakte klasser</a:t>
+            </a:r>
+            <a:endParaRPr lang="da-DK" altLang="da-DK" sz="1600" dirty="0" smtClean="0"/>
+          </a:p>
+          <a:p>
+            <a:pPr marL="271463" lvl="1" indent="-271463">
+              <a:spcBef>
+                <a:spcPts val="1200"/>
+              </a:spcBef>
+              <a:buFontTx/>
+              <a:buChar char="•"/>
+            </a:pPr>
+            <a:r>
+              <a:rPr lang="da-DK" altLang="da-DK" sz="1800" b="1" spc="-40" dirty="0" smtClean="0">
+                <a:solidFill>
+                  <a:srgbClr val="A50021"/>
+                </a:solidFill>
+              </a:rPr>
+              <a:t>I har klaret køreprøvesættene rigtigt flot</a:t>
+            </a:r>
+          </a:p>
+          <a:p>
+            <a:pPr marL="742950" lvl="1" indent="-285750">
+              <a:spcBef>
+                <a:spcPts val="600"/>
+              </a:spcBef>
+              <a:buFontTx/>
+              <a:buChar char="–"/>
+            </a:pPr>
+            <a:r>
+              <a:rPr lang="da-DK" altLang="da-DK" sz="1600" dirty="0" smtClean="0"/>
+              <a:t>Meget få </a:t>
+            </a:r>
+            <a:r>
+              <a:rPr lang="da-DK" altLang="da-DK" sz="1600" dirty="0" smtClean="0"/>
+              <a:t>genafleveringer</a:t>
+            </a:r>
+            <a:endParaRPr lang="da-DK" altLang="da-DK" sz="1600" dirty="0" smtClean="0"/>
+          </a:p>
+          <a:p>
+            <a:pPr marL="271463" lvl="1" indent="-271463">
+              <a:spcBef>
+                <a:spcPts val="1200"/>
+              </a:spcBef>
+              <a:buFontTx/>
+              <a:buChar char="•"/>
+            </a:pPr>
+            <a:r>
+              <a:rPr lang="da-DK" altLang="da-DK" sz="1800" b="1" spc="-40" dirty="0">
+                <a:solidFill>
+                  <a:srgbClr val="A50021"/>
+                </a:solidFill>
+              </a:rPr>
+              <a:t>I har klaret Quiz </a:t>
+            </a:r>
+            <a:r>
+              <a:rPr lang="da-DK" altLang="da-DK" sz="1800" b="1" spc="-40" dirty="0" smtClean="0">
                 <a:solidFill>
                   <a:srgbClr val="A50021"/>
                 </a:solidFill>
@@ -4739,22 +4636,14 @@
               <a:t>4 </a:t>
             </a:r>
             <a:r>
-              <a:rPr lang="da-DK" altLang="da-DK" sz="1800" b="1" spc="-80" dirty="0" smtClean="0">
+              <a:rPr lang="da-DK" altLang="da-DK" sz="1800" b="1" spc="-40" dirty="0" smtClean="0">
                 <a:solidFill>
                   <a:srgbClr val="A50021"/>
                 </a:solidFill>
               </a:rPr>
-              <a:t>var jeres gennemsnitlige vurdering af pensummets sværhedsgrad </a:t>
-            </a:r>
-            <a:r>
-              <a:rPr lang="da-DK" altLang="da-DK" sz="1800" b="1" spc="-80" dirty="0" smtClean="0">
-                <a:solidFill>
-                  <a:srgbClr val="A50021"/>
-                </a:solidFill>
-              </a:rPr>
-              <a:t>3,63</a:t>
-            </a:r>
-            <a:endParaRPr lang="da-DK" altLang="da-DK" sz="1800" b="1" spc="-80" dirty="0" smtClean="0">
+              <a:t>flot</a:t>
+            </a:r>
+            <a:endParaRPr lang="da-DK" altLang="da-DK" sz="1800" b="1" spc="-40" dirty="0">
               <a:solidFill>
                 <a:srgbClr val="A50021"/>
               </a:solidFill>
@@ -4765,11 +4654,26 @@
               <a:spcBef>
                 <a:spcPts val="600"/>
               </a:spcBef>
+              <a:buFontTx/>
+              <a:buChar char="–"/>
             </a:pPr>
             <a:r>
               <a:rPr lang="da-DK" altLang="da-DK" sz="1600" dirty="0" smtClean="0"/>
-              <a:t>Det er noget lavere end sidste gang, hvor den var 3,94</a:t>
-            </a:r>
+              <a:t>I brugte 1,42 forsøg pr spørgsmål (mod </a:t>
+            </a:r>
+            <a:r>
+              <a:rPr lang="da-DK" altLang="da-DK" sz="1600" dirty="0" smtClean="0"/>
+              <a:t>1,42 </a:t>
+            </a:r>
+            <a:r>
+              <a:rPr lang="da-DK" altLang="da-DK" sz="1600" dirty="0" smtClean="0"/>
+              <a:t>i </a:t>
+            </a:r>
+            <a:r>
+              <a:rPr lang="da-DK" altLang="da-DK" sz="1600" dirty="0" smtClean="0"/>
+              <a:t>foråret 2022)</a:t>
+            </a:r>
+            <a:endParaRPr lang="da-DK" altLang="da-DK" sz="1600" dirty="0"/>
           </a:p>
           <a:p>
             <a:pPr marL="271463" lvl="1" indent="-271463">
@@ -4780,125 +4684,102 @@
               <a:buChar char="•"/>
             </a:pPr>
             <a:r>
+              <a:rPr lang="da-DK" altLang="da-DK" sz="1800" b="1" spc="-40" dirty="0">
+                <a:solidFill>
+                  <a:srgbClr val="A50021"/>
+                </a:solidFill>
+              </a:rPr>
+              <a:t>I opgiver ofte lidt for let, når der er </a:t>
+            </a:r>
+            <a:r>
               <a:rPr lang="da-DK" altLang="da-DK" sz="1800" b="1" spc="-40" dirty="0" smtClean="0">
                 <a:solidFill>
                   <a:srgbClr val="A50021"/>
                 </a:solidFill>
               </a:rPr>
-              <a:t>I </a:t>
-            </a:r>
-            <a:r>
-              <a:rPr lang="da-DK" altLang="da-DK" sz="1800" b="1" spc="-40" dirty="0" smtClean="0">
-                <a:solidFill>
-                  <a:srgbClr val="A50021"/>
-                </a:solidFill>
-              </a:rPr>
-              <a:t>har </a:t>
-            </a:r>
-            <a:r>
-              <a:rPr lang="da-DK" altLang="da-DK" sz="1800" b="1" spc="-40" dirty="0" smtClean="0">
-                <a:solidFill>
-                  <a:srgbClr val="A50021"/>
-                </a:solidFill>
-              </a:rPr>
-              <a:t>klaret køreprøvesættene </a:t>
-            </a:r>
-            <a:r>
-              <a:rPr lang="da-DK" altLang="da-DK" sz="1800" b="1" spc="-40" dirty="0" smtClean="0">
-                <a:solidFill>
-                  <a:srgbClr val="A50021"/>
-                </a:solidFill>
-              </a:rPr>
-              <a:t>rigtigt flot</a:t>
-            </a:r>
+              <a:t>problemer i opgaverne</a:t>
+            </a:r>
+            <a:endParaRPr lang="da-DK" altLang="da-DK" sz="1800" b="1" spc="-40" dirty="0">
+              <a:solidFill>
+                <a:srgbClr val="A50021"/>
+              </a:solidFill>
+            </a:endParaRPr>
           </a:p>
           <a:p>
             <a:pPr marL="742950" lvl="1" indent="-285750">
               <a:spcBef>
                 <a:spcPts val="600"/>
               </a:spcBef>
-              <a:buFontTx/>
-              <a:buChar char="–"/>
             </a:pPr>
             <a:r>
+              <a:rPr lang="da-DK" altLang="da-DK" sz="1600" dirty="0"/>
+              <a:t>Hvis testserveren underkende en metode, bliver I nødt til at nærlæse den kode I har skrevet for den pågældende metode</a:t>
+            </a:r>
+          </a:p>
+          <a:p>
+            <a:pPr marL="742950" lvl="1" indent="-285750">
+              <a:spcBef>
+                <a:spcPts val="600"/>
+              </a:spcBef>
+            </a:pPr>
+            <a:r>
+              <a:rPr lang="da-DK" altLang="da-DK" sz="1600" dirty="0"/>
+              <a:t>Ofte </a:t>
+            </a:r>
+            <a:r>
               <a:rPr lang="da-DK" altLang="da-DK" sz="1600" dirty="0" smtClean="0"/>
-              <a:t>Meget få genafleveringer (primært fordi nogle havde glemt at køre på testserveren)</a:t>
+              <a:t>drejer </a:t>
+            </a:r>
+            <a:r>
+              <a:rPr lang="da-DK" altLang="da-DK" sz="1600" dirty="0"/>
+              <a:t>det sig om ganske få linjer</a:t>
+            </a:r>
+          </a:p>
+          <a:p>
+            <a:pPr marL="742950" lvl="1" indent="-285750">
+              <a:spcBef>
+                <a:spcPts val="600"/>
+              </a:spcBef>
+            </a:pPr>
+            <a:r>
+              <a:rPr lang="da-DK" altLang="da-DK" sz="1600" dirty="0"/>
+              <a:t>Kig hver linje grundigt igennem og læg specielt mærke til parenteser, semikolonner, kommaer og lignende</a:t>
+            </a:r>
+          </a:p>
+          <a:p>
+            <a:pPr marL="742950" lvl="1" indent="-285750">
+              <a:spcBef>
+                <a:spcPts val="600"/>
+              </a:spcBef>
+            </a:pPr>
+            <a:r>
+              <a:rPr lang="da-DK" altLang="da-DK" sz="1600" dirty="0"/>
+              <a:t>Tjek </a:t>
+            </a:r>
+            <a:r>
+              <a:rPr lang="da-DK" altLang="da-DK" sz="1600" dirty="0" smtClean="0"/>
+              <a:t>også, </a:t>
+            </a:r>
+            <a:r>
+              <a:rPr lang="da-DK" altLang="da-DK" sz="1600" dirty="0"/>
+              <a:t>at I bruger de korrekte navne (i forhold til opgaveformuleringen)</a:t>
+            </a:r>
+          </a:p>
+          <a:p>
+            <a:pPr marL="742950" lvl="1" indent="-285750">
+              <a:spcBef>
+                <a:spcPts val="600"/>
+              </a:spcBef>
+            </a:pPr>
+            <a:r>
+              <a:rPr lang="da-DK" altLang="da-DK" sz="1600" dirty="0"/>
+              <a:t>Debugging er en væsentlig del af at kunne </a:t>
+            </a:r>
+            <a:r>
+              <a:rPr lang="da-DK" altLang="da-DK" sz="1600" dirty="0" smtClean="0"/>
+              <a:t>programmere</a:t>
             </a:r>
             <a:endParaRPr lang="da-DK" altLang="da-DK" sz="1600" dirty="0" smtClean="0"/>
-          </a:p>
-          <a:p>
-            <a:pPr marL="271463" lvl="1" indent="-271463">
-              <a:spcBef>
-                <a:spcPts val="1200"/>
-              </a:spcBef>
-              <a:buFontTx/>
-              <a:buChar char="•"/>
-            </a:pPr>
-            <a:r>
-              <a:rPr lang="da-DK" altLang="da-DK" sz="1800" b="1" spc="-40" dirty="0">
-                <a:solidFill>
-                  <a:srgbClr val="A50021"/>
-                </a:solidFill>
-              </a:rPr>
-              <a:t>I har klaret Quiz </a:t>
-            </a:r>
-            <a:r>
-              <a:rPr lang="da-DK" altLang="da-DK" sz="1800" b="1" spc="-40" dirty="0" smtClean="0">
-                <a:solidFill>
-                  <a:srgbClr val="A50021"/>
-                </a:solidFill>
-              </a:rPr>
-              <a:t>4 </a:t>
-            </a:r>
-            <a:r>
-              <a:rPr lang="da-DK" altLang="da-DK" sz="1800" b="1" spc="-40" dirty="0" smtClean="0">
-                <a:solidFill>
-                  <a:srgbClr val="A50021"/>
-                </a:solidFill>
-              </a:rPr>
-              <a:t>væsentligt bedre </a:t>
-            </a:r>
-            <a:r>
-              <a:rPr lang="da-DK" altLang="da-DK" sz="1800" b="1" spc="-40" dirty="0">
-                <a:solidFill>
-                  <a:srgbClr val="A50021"/>
-                </a:solidFill>
-              </a:rPr>
-              <a:t>end de studerende i efteråret</a:t>
-            </a:r>
-          </a:p>
-          <a:p>
-            <a:pPr marL="742950" lvl="1" indent="-285750">
-              <a:spcBef>
-                <a:spcPts val="600"/>
-              </a:spcBef>
-              <a:buFontTx/>
-              <a:buChar char="–"/>
-            </a:pPr>
-            <a:r>
-              <a:rPr lang="da-DK" altLang="da-DK" sz="1600" dirty="0" smtClean="0"/>
-              <a:t>I brugte </a:t>
-            </a:r>
-            <a:r>
-              <a:rPr lang="da-DK" altLang="da-DK" sz="1600" dirty="0" smtClean="0"/>
-              <a:t>1,42 </a:t>
-            </a:r>
-            <a:r>
-              <a:rPr lang="da-DK" altLang="da-DK" sz="1600" dirty="0" smtClean="0"/>
-              <a:t>forsøg pr spørgsmål (mod </a:t>
-            </a:r>
-            <a:r>
-              <a:rPr lang="da-DK" altLang="da-DK" sz="1600" dirty="0" smtClean="0"/>
-              <a:t>1,65 </a:t>
-            </a:r>
-            <a:r>
-              <a:rPr lang="da-DK" altLang="da-DK" sz="1600" dirty="0" smtClean="0"/>
-              <a:t>i efteråret</a:t>
-            </a:r>
-            <a:r>
-              <a:rPr lang="da-DK" altLang="da-DK" sz="1600" dirty="0" smtClean="0"/>
-              <a:t>)</a:t>
-            </a:r>
           </a:p>
           <a:p>
             <a:pPr marL="742950" lvl="1" indent="-285750">
@@ -4909,146 +4790,6 @@
               <a:buChar char="–"/>
             </a:pPr>
             <a:endParaRPr lang="da-DK" altLang="da-DK" sz="1600" dirty="0" smtClean="0"/>
-          </a:p>
-          <a:p>
-            <a:pPr marL="285750" lvl="1" indent="-285750">
-              <a:spcBef>
-                <a:spcPts val="1200"/>
-              </a:spcBef>
-              <a:buFontTx/>
-              <a:buChar char="•"/>
-            </a:pPr>
-            <a:r>
-              <a:rPr lang="da-DK" altLang="da-DK" sz="1800" b="1" dirty="0" smtClean="0">
-                <a:solidFill>
-                  <a:srgbClr val="A50021"/>
-                </a:solidFill>
-              </a:rPr>
-              <a:t>Læs </a:t>
-            </a:r>
-            <a:r>
-              <a:rPr lang="da-DK" altLang="da-DK" sz="1800" b="1" dirty="0">
-                <a:solidFill>
-                  <a:srgbClr val="A50021"/>
-                </a:solidFill>
-              </a:rPr>
-              <a:t>opgaveformuleringen omhyggeligt</a:t>
-            </a:r>
-          </a:p>
-          <a:p>
-            <a:pPr marL="742950" lvl="1" indent="-285750">
-              <a:spcBef>
-                <a:spcPts val="600"/>
-              </a:spcBef>
-              <a:buFontTx/>
-              <a:buChar char="–"/>
-            </a:pPr>
-            <a:r>
-              <a:rPr lang="da-DK" altLang="da-DK" sz="1600" dirty="0" smtClean="0"/>
-              <a:t>Mange fejl skyldes, at man misforstår eller overser ting, der står i den</a:t>
-            </a:r>
-          </a:p>
-          <a:p>
-            <a:pPr marL="285750" lvl="1" indent="-285750">
-              <a:spcBef>
-                <a:spcPts val="1200"/>
-              </a:spcBef>
-              <a:buFontTx/>
-              <a:buChar char="•"/>
-            </a:pPr>
-            <a:r>
-              <a:rPr lang="da-DK" altLang="da-DK" sz="1800" b="1" dirty="0" smtClean="0">
-                <a:solidFill>
-                  <a:srgbClr val="A50021"/>
-                </a:solidFill>
-              </a:rPr>
-              <a:t>Testserveren </a:t>
-            </a:r>
-            <a:r>
-              <a:rPr lang="da-DK" altLang="da-DK" sz="1800" b="1" dirty="0">
-                <a:solidFill>
-                  <a:srgbClr val="A50021"/>
-                </a:solidFill>
-              </a:rPr>
-              <a:t>anvendes ikke til </a:t>
-            </a:r>
-            <a:r>
-              <a:rPr lang="da-DK" altLang="da-DK" sz="1800" b="1" dirty="0" smtClean="0">
-                <a:solidFill>
-                  <a:srgbClr val="A50021"/>
-                </a:solidFill>
-              </a:rPr>
-              <a:t>Dronningeopgaven</a:t>
-            </a:r>
-            <a:endParaRPr lang="da-DK" altLang="da-DK" sz="1800" b="1" dirty="0">
-              <a:solidFill>
-                <a:srgbClr val="A50021"/>
-              </a:solidFill>
-            </a:endParaRPr>
-          </a:p>
-          <a:p>
-            <a:pPr marL="742950" lvl="1" indent="-285750">
-              <a:spcBef>
-                <a:spcPts val="600"/>
-              </a:spcBef>
-              <a:buFontTx/>
-              <a:buChar char="–"/>
-            </a:pPr>
-            <a:r>
-              <a:rPr lang="da-DK" altLang="da-DK" sz="1600" dirty="0" smtClean="0"/>
-              <a:t>Til gengæld er det let for jer at konstatere om jeres program gør det rigtige</a:t>
-            </a:r>
-            <a:br>
-              <a:rPr lang="da-DK" altLang="da-DK" sz="1600" dirty="0" smtClean="0"/>
-            </a:br>
-            <a:r>
-              <a:rPr lang="da-DK" altLang="da-DK" sz="1600" dirty="0" smtClean="0"/>
-              <a:t>(via den testmetode, som I skal skrive i opgave 4)</a:t>
-            </a:r>
-          </a:p>
-          <a:p>
-            <a:pPr marL="285750" lvl="1" indent="-285750">
-              <a:spcBef>
-                <a:spcPts val="1200"/>
-              </a:spcBef>
-              <a:buChar char="•"/>
-            </a:pPr>
-            <a:r>
-              <a:rPr lang="da-DK" sz="1800" b="1" dirty="0">
-                <a:solidFill>
-                  <a:srgbClr val="A50021"/>
-                </a:solidFill>
-              </a:rPr>
-              <a:t>Genaflevér så hurtigt som muligt – så I ikke kommer bagefter</a:t>
-            </a:r>
-          </a:p>
-          <a:p>
-            <a:pPr marL="742950" lvl="1" indent="-285750">
-              <a:spcBef>
-                <a:spcPts val="600"/>
-              </a:spcBef>
-            </a:pPr>
-            <a:r>
-              <a:rPr lang="da-DK" sz="1600" dirty="0"/>
-              <a:t>Læs instruktorens feedback til jer og forsøg så at udbedre </a:t>
-            </a:r>
-            <a:r>
-              <a:rPr lang="da-DK" sz="1600" b="1" dirty="0">
-                <a:solidFill>
-                  <a:srgbClr val="008000"/>
-                </a:solidFill>
-              </a:rPr>
-              <a:t>alle</a:t>
-            </a:r>
-            <a:r>
-              <a:rPr lang="da-DK" sz="1600" dirty="0"/>
-              <a:t> de fejl og mangler, som han har </a:t>
-            </a:r>
-            <a:r>
-              <a:rPr lang="da-DK" sz="1600" dirty="0" smtClean="0"/>
-              <a:t>påpeget</a:t>
-            </a:r>
-            <a:endParaRPr lang="da-DK" sz="1600" dirty="0"/>
           </a:p>
         </p:txBody>
       </p:sp>
@@ -5273,7 +5014,7 @@
             <a:pPr marL="271463" indent="-271463"/>
             <a:r>
               <a:rPr lang="da-DK" altLang="da-DK" sz="2800" dirty="0" smtClean="0"/>
-              <a:t>Mulighed for hjælp mellem seminarerne</a:t>
+              <a:t>Afleveringsopgaverne (fortsat)</a:t>
             </a:r>
             <a:endParaRPr lang="da-DK" altLang="da-DK" sz="2800" dirty="0"/>
           </a:p>
@@ -5289,8 +5030,8 @@
         </p:nvSpPr>
         <p:spPr bwMode="auto">
           <a:xfrm>
-            <a:off x="611560" y="1052736"/>
-            <a:ext cx="8352928" cy="4392488"/>
+            <a:off x="404799" y="1071208"/>
+            <a:ext cx="8352928" cy="5805264"/>
           </a:xfrm>
           <a:prstGeom prst="rect">
             <a:avLst/>
@@ -5455,18 +5196,18 @@
           <a:p>
             <a:pPr marL="271463" lvl="1" indent="-271463">
               <a:spcBef>
-                <a:spcPts val="1800"/>
+                <a:spcPts val="1200"/>
               </a:spcBef>
               <a:buFontTx/>
               <a:buChar char="•"/>
             </a:pPr>
             <a:r>
-              <a:rPr lang="da-DK" altLang="da-DK" sz="1800" b="1" spc="-40" dirty="0" smtClean="0">
+              <a:rPr lang="da-DK" altLang="da-DK" b="1" spc="-40" dirty="0">
                 <a:solidFill>
                   <a:srgbClr val="A50021"/>
                 </a:solidFill>
               </a:rPr>
-              <a:t>Fra og med seminar 5 bliver afleveringsopgaverne noget større og dermed lidt vanskeligere (til gengæld er der kun en opgave om ugen)</a:t>
+              <a:t>Fra og med seminar 5 bliver afleveringsopgaverne noget større og dermed lidt vanskeligere (til gengæld er der bedre tid til dem)</a:t>
             </a:r>
           </a:p>
           <a:p>
@@ -5476,79 +5217,33 @@
               </a:spcBef>
             </a:pPr>
             <a:r>
-              <a:rPr lang="da-DK" altLang="da-DK" sz="1600" dirty="0" smtClean="0"/>
-              <a:t>I kan selvfølgelig stadig få hjælp via webboardet</a:t>
-            </a:r>
-          </a:p>
-          <a:p>
-            <a:pPr marL="742950" lvl="1" indent="-285750">
-              <a:spcBef>
-                <a:spcPts val="600"/>
-              </a:spcBef>
-            </a:pPr>
-            <a:r>
-              <a:rPr lang="da-DK" altLang="da-DK" sz="1600" dirty="0" smtClean="0"/>
-              <a:t>Men herudover vil der, hver fredag eftermiddag kl 15-17, være en ”studiecafé”, hvor I via Zoom kan få hjælp fra en af instruktorerne</a:t>
-            </a:r>
-          </a:p>
-          <a:p>
-            <a:pPr marL="742950" lvl="1" indent="-285750">
-              <a:spcBef>
-                <a:spcPts val="600"/>
-              </a:spcBef>
-            </a:pPr>
-            <a:r>
-              <a:rPr lang="da-DK" altLang="da-DK" sz="1600" dirty="0" smtClean="0"/>
-              <a:t>Man deltager via </a:t>
-            </a:r>
-            <a:r>
-              <a:rPr lang="da-DK" altLang="da-DK" sz="1600" dirty="0" smtClean="0"/>
-              <a:t>et </a:t>
-            </a:r>
-            <a:r>
-              <a:rPr lang="da-DK" altLang="da-DK" sz="1600" dirty="0" smtClean="0"/>
-              <a:t>link på siden ”Zoom link til seminarer</a:t>
-            </a:r>
-            <a:r>
-              <a:rPr lang="da-DK" altLang="da-DK" sz="1600" dirty="0" smtClean="0"/>
-              <a:t>”</a:t>
-            </a:r>
-          </a:p>
-          <a:p>
-            <a:pPr marL="742950" lvl="1" indent="-285750">
-              <a:spcBef>
-                <a:spcPts val="600"/>
-              </a:spcBef>
-            </a:pPr>
-            <a:r>
-              <a:rPr lang="da-DK" altLang="da-DK" sz="1600" spc="-40" dirty="0" smtClean="0"/>
-              <a:t>Man skal ikke tilmeldes – I dukker blot op på Zoom, hvis I ønsker at deltage</a:t>
-            </a:r>
-            <a:endParaRPr lang="da-DK" altLang="da-DK" sz="1600" spc="-40" dirty="0" smtClean="0"/>
-          </a:p>
-          <a:p>
-            <a:pPr marL="271463" lvl="1" indent="-271463">
-              <a:spcBef>
-                <a:spcPts val="1800"/>
+              <a:rPr lang="da-DK" altLang="da-DK" sz="1800" dirty="0"/>
+              <a:t>I kan selvfølgelig stadig få hjælp via diskussionsforummet og studiecaféerne fredag eftermiddag kl 15-17</a:t>
+            </a:r>
+          </a:p>
+          <a:p>
+            <a:pPr marL="285750" lvl="1" indent="-285750">
+              <a:spcBef>
+                <a:spcPts val="1200"/>
               </a:spcBef>
               <a:buFontTx/>
               <a:buChar char="•"/>
             </a:pPr>
             <a:r>
-              <a:rPr lang="da-DK" altLang="da-DK" sz="1800" b="1" spc="-40" dirty="0" smtClean="0">
+              <a:rPr lang="da-DK" altLang="da-DK" b="1" dirty="0" smtClean="0">
                 <a:solidFill>
                   <a:srgbClr val="A50021"/>
                 </a:solidFill>
               </a:rPr>
-              <a:t>I kan også bruge Studiecaféen </a:t>
-            </a:r>
-            <a:r>
-              <a:rPr lang="da-DK" altLang="da-DK" sz="1800" b="1" spc="-40" dirty="0">
+              <a:t>Læs </a:t>
+            </a:r>
+            <a:r>
+              <a:rPr lang="da-DK" altLang="da-DK" b="1" dirty="0">
                 <a:solidFill>
                   <a:srgbClr val="A50021"/>
                 </a:solidFill>
               </a:rPr>
-              <a:t>til at stille spørgsmål omkring</a:t>
+              <a:t>opgaveformuleringen omhyggeligt</a:t>
             </a:r>
           </a:p>
           <a:p>
@@ -5558,489 +5253,127 @@
               </a:spcBef>
             </a:pPr>
             <a:r>
-              <a:rPr lang="da-DK" altLang="da-DK" sz="1600" dirty="0"/>
-              <a:t>jeres tidligere afleveringer (og instruktorens kommentarerne til dem)</a:t>
-            </a:r>
-          </a:p>
-          <a:p>
-            <a:pPr marL="742950" lvl="1" indent="-285750">
-              <a:spcBef>
-                <a:spcPts val="600"/>
-              </a:spcBef>
-            </a:pPr>
-            <a:r>
-              <a:rPr lang="da-DK" altLang="da-DK" sz="1600" dirty="0" err="1"/>
-              <a:t>BlueJ</a:t>
-            </a:r>
-            <a:r>
-              <a:rPr lang="da-DK" altLang="da-DK" sz="1600" dirty="0"/>
-              <a:t> bogen og mine slides</a:t>
-            </a:r>
-          </a:p>
-          <a:p>
-            <a:pPr marL="742950" lvl="1" indent="-285750">
-              <a:spcBef>
-                <a:spcPts val="600"/>
-              </a:spcBef>
-            </a:pPr>
-            <a:r>
-              <a:rPr lang="da-DK" altLang="da-DK" sz="1600" dirty="0"/>
-              <a:t>alt andet, som I har problemer </a:t>
-            </a:r>
-            <a:r>
-              <a:rPr lang="da-DK" altLang="da-DK" sz="1600" dirty="0" smtClean="0"/>
-              <a:t>med</a:t>
-            </a:r>
-            <a:endParaRPr lang="da-DK" altLang="da-DK" sz="1600" dirty="0"/>
-          </a:p>
-        </p:txBody>
-      </p:sp>
-    </p:spTree>
-    <p:extLst>
-      <p:ext uri="{BB962C8B-B14F-4D97-AF65-F5344CB8AC3E}">
-        <p14:creationId xmlns:p14="http://schemas.microsoft.com/office/powerpoint/2010/main" val="239744111"/>
-      </p:ext>
-    </p:extLst>
-  </p:cSld>
-  <p:clrMapOvr>
-    <a:masterClrMapping/>
-  </p:clrMapOvr>
-  <p:timing>
-    <p:tnLst>
-      <p:par>
-        <p:cTn id="1" dur="indefinite" restart="never" nodeType="tmRoot"/>
-      </p:par>
-    </p:tnLst>
-  </p:timing>
-</p:sld>
-</file>
-
-<file path=ppt/slides/slide4.xml><?xml version="1.0" encoding="utf-8"?>
-<p:sld xmlns:a="http://schemas.openxmlformats.org/drawingml/2006/main" xmlns:r="http://schemas.openxmlformats.org/officeDocument/2006/relationships" xmlns:p="http://schemas.openxmlformats.org/presentationml/2006/main">
-  <p:cSld>
-    <p:spTree>
-      <p:nvGrpSpPr>
-        <p:cNvPr id="1" name=""/>
-        <p:cNvGrpSpPr/>
-        <p:nvPr/>
-      </p:nvGrpSpPr>
-      <p:grpSpPr>
-        <a:xfrm>
-          <a:off x="0" y="0"/>
-          <a:ext cx="0" cy="0"/>
-          <a:chOff x="0" y="0"/>
-          <a:chExt cx="0" cy="0"/>
-        </a:xfrm>
-      </p:grpSpPr>
-      <p:sp>
-        <p:nvSpPr>
-          <p:cNvPr id="4" name="Title 1"/>
-          <p:cNvSpPr txBox="1">
-            <a:spLocks/>
-          </p:cNvSpPr>
-          <p:nvPr/>
-        </p:nvSpPr>
-        <p:spPr bwMode="auto">
-          <a:xfrm>
-            <a:off x="459225" y="260349"/>
-            <a:ext cx="8793295" cy="682625"/>
-          </a:xfrm>
-          <a:prstGeom prst="rect">
-            <a:avLst/>
-          </a:prstGeom>
-          <a:noFill/>
-          <a:ln>
-            <a:noFill/>
-          </a:ln>
-          <a:extLst>
-            <a:ext uri="{909E8E84-426E-40DD-AFC4-6F175D3DCCD1}">
-              <a14:hiddenFill xmlns:a14="http://schemas.microsoft.com/office/drawing/2010/main">
-                <a:solidFill>
-                  <a:srgbClr val="FFFFFF"/>
-                </a:solidFill>
-              </a14:hiddenFill>
-            </a:ext>
-            <a:ext uri="{91240B29-F687-4F45-9708-019B960494DF}">
-              <a14:hiddenLine xmlns:a14="http://schemas.microsoft.com/office/drawing/2010/main" w="9525">
-                <a:solidFill>
-                  <a:srgbClr val="000000"/>
-                </a:solidFill>
-                <a:miter lim="800000"/>
-                <a:headEnd/>
-                <a:tailEnd/>
-              </a14:hiddenLine>
-            </a:ext>
-          </a:extLst>
-        </p:spPr>
-        <p:txBody>
-          <a:bodyPr anchor="ctr"/>
-          <a:lstStyle>
-            <a:lvl1pPr algn="l" rtl="0" eaLnBrk="0" fontAlgn="base" hangingPunct="0">
-              <a:spcBef>
-                <a:spcPct val="0"/>
-              </a:spcBef>
-              <a:spcAft>
-                <a:spcPct val="0"/>
-              </a:spcAft>
-              <a:defRPr sz="3600" b="1">
-                <a:solidFill>
-                  <a:srgbClr val="000066"/>
-                </a:solidFill>
-                <a:latin typeface="+mj-lt"/>
-                <a:ea typeface="ＭＳ Ｐゴシック" pitchFamily="-107" charset="-128"/>
-                <a:cs typeface="ＭＳ Ｐゴシック" pitchFamily="-107" charset="-128"/>
-              </a:defRPr>
-            </a:lvl1pPr>
-            <a:lvl2pPr algn="l" rtl="0" eaLnBrk="0" fontAlgn="base" hangingPunct="0">
-              <a:spcBef>
-                <a:spcPct val="0"/>
-              </a:spcBef>
-              <a:spcAft>
-                <a:spcPct val="0"/>
-              </a:spcAft>
-              <a:defRPr sz="3600" b="1">
-                <a:solidFill>
-                  <a:srgbClr val="000066"/>
-                </a:solidFill>
-                <a:latin typeface="Arial" charset="0"/>
-                <a:ea typeface="ＭＳ Ｐゴシック" pitchFamily="-107" charset="-128"/>
-                <a:cs typeface="ＭＳ Ｐゴシック" pitchFamily="-107" charset="-128"/>
-              </a:defRPr>
-            </a:lvl2pPr>
-            <a:lvl3pPr algn="l" rtl="0" eaLnBrk="0" fontAlgn="base" hangingPunct="0">
-              <a:spcBef>
-                <a:spcPct val="0"/>
-              </a:spcBef>
-              <a:spcAft>
-                <a:spcPct val="0"/>
-              </a:spcAft>
-              <a:defRPr sz="3600" b="1">
-                <a:solidFill>
-                  <a:srgbClr val="000066"/>
-                </a:solidFill>
-                <a:latin typeface="Arial" charset="0"/>
-                <a:ea typeface="ＭＳ Ｐゴシック" pitchFamily="-107" charset="-128"/>
-                <a:cs typeface="ＭＳ Ｐゴシック" pitchFamily="-107" charset="-128"/>
-              </a:defRPr>
-            </a:lvl3pPr>
-            <a:lvl4pPr algn="l" rtl="0" eaLnBrk="0" fontAlgn="base" hangingPunct="0">
-              <a:spcBef>
-                <a:spcPct val="0"/>
-              </a:spcBef>
-              <a:spcAft>
-                <a:spcPct val="0"/>
-              </a:spcAft>
-              <a:defRPr sz="3600" b="1">
-                <a:solidFill>
-                  <a:srgbClr val="000066"/>
-                </a:solidFill>
-                <a:latin typeface="Arial" charset="0"/>
-                <a:ea typeface="ＭＳ Ｐゴシック" pitchFamily="-107" charset="-128"/>
-                <a:cs typeface="ＭＳ Ｐゴシック" pitchFamily="-107" charset="-128"/>
-              </a:defRPr>
-            </a:lvl4pPr>
-            <a:lvl5pPr algn="l" rtl="0" eaLnBrk="0" fontAlgn="base" hangingPunct="0">
-              <a:spcBef>
-                <a:spcPct val="0"/>
-              </a:spcBef>
-              <a:spcAft>
-                <a:spcPct val="0"/>
-              </a:spcAft>
-              <a:defRPr sz="3600" b="1">
-                <a:solidFill>
-                  <a:srgbClr val="000066"/>
-                </a:solidFill>
-                <a:latin typeface="Arial" charset="0"/>
-                <a:ea typeface="ＭＳ Ｐゴシック" pitchFamily="-107" charset="-128"/>
-                <a:cs typeface="ＭＳ Ｐゴシック" pitchFamily="-107" charset="-128"/>
-              </a:defRPr>
-            </a:lvl5pPr>
-            <a:lvl6pPr marL="457200" algn="l" rtl="0" fontAlgn="base">
-              <a:spcBef>
-                <a:spcPct val="0"/>
-              </a:spcBef>
-              <a:spcAft>
-                <a:spcPct val="0"/>
-              </a:spcAft>
-              <a:defRPr sz="3600" b="1">
-                <a:solidFill>
-                  <a:srgbClr val="000066"/>
-                </a:solidFill>
-                <a:latin typeface="Arial" charset="0"/>
-              </a:defRPr>
-            </a:lvl6pPr>
-            <a:lvl7pPr marL="914400" algn="l" rtl="0" fontAlgn="base">
-              <a:spcBef>
-                <a:spcPct val="0"/>
-              </a:spcBef>
-              <a:spcAft>
-                <a:spcPct val="0"/>
-              </a:spcAft>
-              <a:defRPr sz="3600" b="1">
-                <a:solidFill>
-                  <a:srgbClr val="000066"/>
-                </a:solidFill>
-                <a:latin typeface="Arial" charset="0"/>
-              </a:defRPr>
-            </a:lvl7pPr>
-            <a:lvl8pPr marL="1371600" algn="l" rtl="0" fontAlgn="base">
-              <a:spcBef>
-                <a:spcPct val="0"/>
-              </a:spcBef>
-              <a:spcAft>
-                <a:spcPct val="0"/>
-              </a:spcAft>
-              <a:defRPr sz="3600" b="1">
-                <a:solidFill>
-                  <a:srgbClr val="000066"/>
-                </a:solidFill>
-                <a:latin typeface="Arial" charset="0"/>
-              </a:defRPr>
-            </a:lvl8pPr>
-            <a:lvl9pPr marL="1828800" algn="l" rtl="0" fontAlgn="base">
-              <a:spcBef>
-                <a:spcPct val="0"/>
-              </a:spcBef>
-              <a:spcAft>
-                <a:spcPct val="0"/>
-              </a:spcAft>
-              <a:defRPr sz="3600" b="1">
-                <a:solidFill>
-                  <a:srgbClr val="000066"/>
-                </a:solidFill>
-                <a:latin typeface="Arial" charset="0"/>
-              </a:defRPr>
-            </a:lvl9pPr>
-          </a:lstStyle>
-          <a:p>
-            <a:pPr marL="271463" indent="-271463"/>
-            <a:r>
-              <a:rPr lang="da-DK" altLang="da-DK" sz="2800" dirty="0" smtClean="0"/>
-              <a:t>Er der ting, som I gerne vil have ændret?</a:t>
-            </a:r>
-            <a:endParaRPr lang="da-DK" altLang="da-DK" sz="2800" dirty="0"/>
-          </a:p>
-        </p:txBody>
-      </p:sp>
-      <p:sp>
-        <p:nvSpPr>
-          <p:cNvPr id="8" name="Content Placeholder 2"/>
-          <p:cNvSpPr txBox="1">
-            <a:spLocks/>
-          </p:cNvSpPr>
-          <p:nvPr/>
-        </p:nvSpPr>
-        <p:spPr bwMode="auto">
-          <a:xfrm>
-            <a:off x="611560" y="1052736"/>
-            <a:ext cx="8352928" cy="2520280"/>
-          </a:xfrm>
-          <a:prstGeom prst="rect">
-            <a:avLst/>
-          </a:prstGeom>
-          <a:noFill/>
-          <a:ln>
-            <a:noFill/>
-          </a:ln>
-          <a:extLst>
-            <a:ext uri="{909E8E84-426E-40DD-AFC4-6F175D3DCCD1}">
-              <a14:hiddenFill xmlns:a14="http://schemas.microsoft.com/office/drawing/2010/main">
-                <a:solidFill>
-                  <a:srgbClr val="FFFFFF"/>
-                </a:solidFill>
-              </a14:hiddenFill>
-            </a:ext>
-            <a:ext uri="{91240B29-F687-4F45-9708-019B960494DF}">
-              <a14:hiddenLine xmlns:a14="http://schemas.microsoft.com/office/drawing/2010/main" w="9525">
-                <a:solidFill>
-                  <a:srgbClr val="000000"/>
-                </a:solidFill>
-                <a:miter lim="800000"/>
-                <a:headEnd/>
-                <a:tailEnd/>
-              </a14:hiddenLine>
-            </a:ext>
-          </a:extLst>
-        </p:spPr>
-        <p:txBody>
-          <a:bodyPr/>
-          <a:lstStyle>
-            <a:lvl1pPr eaLnBrk="0" hangingPunct="0">
-              <a:spcBef>
-                <a:spcPct val="20000"/>
-              </a:spcBef>
-              <a:buChar char="•"/>
-              <a:defRPr sz="2400" b="1">
-                <a:solidFill>
-                  <a:srgbClr val="A50021"/>
-                </a:solidFill>
-                <a:latin typeface="Arial" pitchFamily="34" charset="0"/>
-                <a:ea typeface="ＭＳ Ｐゴシック" pitchFamily="34" charset="-128"/>
-              </a:defRPr>
-            </a:lvl1pPr>
-            <a:lvl2pPr eaLnBrk="0" hangingPunct="0">
-              <a:spcBef>
-                <a:spcPct val="20000"/>
-              </a:spcBef>
-              <a:buChar char="–"/>
-              <a:defRPr sz="2000">
-                <a:solidFill>
-                  <a:srgbClr val="000066"/>
-                </a:solidFill>
-                <a:latin typeface="Arial" pitchFamily="34" charset="0"/>
-                <a:ea typeface="ＭＳ Ｐゴシック" pitchFamily="34" charset="-128"/>
-              </a:defRPr>
-            </a:lvl2pPr>
-            <a:lvl3pPr eaLnBrk="0" hangingPunct="0">
-              <a:spcBef>
-                <a:spcPct val="20000"/>
-              </a:spcBef>
-              <a:buChar char="•"/>
-              <a:defRPr sz="1600">
-                <a:solidFill>
-                  <a:schemeClr val="tx1"/>
-                </a:solidFill>
-                <a:latin typeface="Arial" pitchFamily="34" charset="0"/>
-                <a:ea typeface="ＭＳ Ｐゴシック" pitchFamily="34" charset="-128"/>
-              </a:defRPr>
-            </a:lvl3pPr>
-            <a:lvl4pPr eaLnBrk="0" hangingPunct="0">
-              <a:spcBef>
-                <a:spcPct val="20000"/>
-              </a:spcBef>
-              <a:buChar char="–"/>
-              <a:defRPr sz="1600">
-                <a:solidFill>
-                  <a:schemeClr val="tx1"/>
-                </a:solidFill>
-                <a:latin typeface="Times New Roman" pitchFamily="18" charset="0"/>
-                <a:ea typeface="ＭＳ Ｐゴシック" pitchFamily="34" charset="-128"/>
-              </a:defRPr>
-            </a:lvl4pPr>
-            <a:lvl5pPr eaLnBrk="0" hangingPunct="0">
-              <a:spcBef>
-                <a:spcPct val="20000"/>
-              </a:spcBef>
-              <a:buChar char="»"/>
-              <a:defRPr sz="1200">
-                <a:solidFill>
-                  <a:schemeClr val="tx1"/>
-                </a:solidFill>
-                <a:latin typeface="Times New Roman" pitchFamily="18" charset="0"/>
-                <a:ea typeface="ＭＳ Ｐゴシック" pitchFamily="34" charset="-128"/>
-              </a:defRPr>
-            </a:lvl5pPr>
-            <a:lvl6pPr eaLnBrk="0" fontAlgn="base" hangingPunct="0">
-              <a:spcBef>
-                <a:spcPct val="20000"/>
-              </a:spcBef>
-              <a:spcAft>
-                <a:spcPct val="0"/>
-              </a:spcAft>
-              <a:buChar char="»"/>
-              <a:defRPr sz="1200">
-                <a:solidFill>
-                  <a:schemeClr val="tx1"/>
-                </a:solidFill>
-                <a:latin typeface="Times New Roman" pitchFamily="18" charset="0"/>
-                <a:ea typeface="ＭＳ Ｐゴシック" pitchFamily="34" charset="-128"/>
-              </a:defRPr>
-            </a:lvl6pPr>
-            <a:lvl7pPr eaLnBrk="0" fontAlgn="base" hangingPunct="0">
-              <a:spcBef>
-                <a:spcPct val="20000"/>
-              </a:spcBef>
-              <a:spcAft>
-                <a:spcPct val="0"/>
-              </a:spcAft>
-              <a:buChar char="»"/>
-              <a:defRPr sz="1200">
-                <a:solidFill>
-                  <a:schemeClr val="tx1"/>
-                </a:solidFill>
-                <a:latin typeface="Times New Roman" pitchFamily="18" charset="0"/>
-                <a:ea typeface="ＭＳ Ｐゴシック" pitchFamily="34" charset="-128"/>
-              </a:defRPr>
-            </a:lvl7pPr>
-            <a:lvl8pPr eaLnBrk="0" fontAlgn="base" hangingPunct="0">
-              <a:spcBef>
-                <a:spcPct val="20000"/>
-              </a:spcBef>
-              <a:spcAft>
-                <a:spcPct val="0"/>
-              </a:spcAft>
-              <a:buChar char="»"/>
-              <a:defRPr sz="1200">
-                <a:solidFill>
-                  <a:schemeClr val="tx1"/>
-                </a:solidFill>
-                <a:latin typeface="Times New Roman" pitchFamily="18" charset="0"/>
-                <a:ea typeface="ＭＳ Ｐゴシック" pitchFamily="34" charset="-128"/>
-              </a:defRPr>
-            </a:lvl8pPr>
-            <a:lvl9pPr eaLnBrk="0" fontAlgn="base" hangingPunct="0">
-              <a:spcBef>
-                <a:spcPct val="20000"/>
-              </a:spcBef>
-              <a:spcAft>
-                <a:spcPct val="0"/>
-              </a:spcAft>
-              <a:buChar char="»"/>
-              <a:defRPr sz="1200">
-                <a:solidFill>
-                  <a:schemeClr val="tx1"/>
-                </a:solidFill>
-                <a:latin typeface="Times New Roman" pitchFamily="18" charset="0"/>
-                <a:ea typeface="ＭＳ Ｐゴシック" pitchFamily="34" charset="-128"/>
-              </a:defRPr>
-            </a:lvl9pPr>
-          </a:lstStyle>
+              <a:rPr lang="da-DK" altLang="da-DK" sz="1800" dirty="0"/>
+              <a:t>Mange fejl skyldes, at man misforstår eller overser ting, der står i den</a:t>
+            </a:r>
+          </a:p>
           <a:p>
             <a:pPr marL="285750" lvl="1" indent="-285750">
               <a:spcBef>
-                <a:spcPts val="1800"/>
+                <a:spcPts val="1200"/>
               </a:spcBef>
               <a:buChar char="•"/>
             </a:pPr>
             <a:r>
+              <a:rPr lang="da-DK" b="1" dirty="0">
+                <a:solidFill>
+                  <a:srgbClr val="A50021"/>
+                </a:solidFill>
+              </a:rPr>
+              <a:t>Genaflevér så hurtigt som muligt – så I ikke kommer bagefter</a:t>
+            </a:r>
+          </a:p>
+          <a:p>
+            <a:pPr marL="742950" lvl="1" indent="-285750">
+              <a:spcBef>
+                <a:spcPts val="600"/>
+              </a:spcBef>
+            </a:pPr>
+            <a:r>
+              <a:rPr lang="da-DK" sz="1800" dirty="0"/>
+              <a:t>Læs instruktorens feedback til jer og forsøg så at udbedre </a:t>
+            </a:r>
+            <a:r>
               <a:rPr lang="da-DK" sz="1800" b="1" dirty="0">
                 <a:solidFill>
-                  <a:srgbClr val="A50021"/>
+                  <a:srgbClr val="008000"/>
                 </a:solidFill>
               </a:rPr>
-              <a:t>Har I forslag til forbedringer eller ting, som I gerne vil have gjort anderledes?</a:t>
-            </a:r>
-          </a:p>
-          <a:p>
-            <a:pPr marL="742950" lvl="1" indent="-285750">
-              <a:spcBef>
-                <a:spcPts val="600"/>
-              </a:spcBef>
-            </a:pPr>
-            <a:r>
-              <a:rPr lang="da-DK" sz="1800" dirty="0" smtClean="0"/>
-              <a:t>Ellers </a:t>
+              <a:t>alle</a:t>
             </a:r>
             <a:r>
               <a:rPr lang="da-DK" sz="1800" dirty="0"/>
-              <a:t>fortsætter vi i "samme spor" som hidtil</a:t>
-            </a:r>
-          </a:p>
-          <a:p>
-            <a:pPr marL="271463" lvl="1" indent="-271463">
-              <a:spcBef>
-                <a:spcPts val="1800"/>
+              <a:t> de fejl og mangler, som han har påpeget</a:t>
+            </a:r>
+          </a:p>
+          <a:p>
+            <a:pPr marL="285750" lvl="1" indent="-285750">
+              <a:spcBef>
+                <a:spcPts val="1200"/>
               </a:spcBef>
               <a:buFontTx/>
               <a:buChar char="•"/>
             </a:pPr>
             <a:r>
+              <a:rPr lang="da-DK" altLang="da-DK" b="1" dirty="0" smtClean="0">
+                <a:solidFill>
+                  <a:srgbClr val="A50021"/>
+                </a:solidFill>
+              </a:rPr>
+              <a:t>Testserveren </a:t>
+            </a:r>
+            <a:r>
+              <a:rPr lang="da-DK" altLang="da-DK" b="1" dirty="0">
+                <a:solidFill>
+                  <a:srgbClr val="A50021"/>
+                </a:solidFill>
+              </a:rPr>
+              <a:t>anvendes ikke til Dronningeopgaven</a:t>
+            </a:r>
+          </a:p>
+          <a:p>
+            <a:pPr marL="742950" lvl="1" indent="-285750">
+              <a:spcBef>
+                <a:spcPts val="600"/>
+              </a:spcBef>
+            </a:pPr>
+            <a:r>
+              <a:rPr lang="da-DK" altLang="da-DK" sz="1800" spc="-40" dirty="0"/>
+              <a:t>Til gengæld er det let for jer at konstatere om jeres program gør det rigtige</a:t>
+            </a:r>
+            <a:r>
+              <a:rPr lang="da-DK" altLang="da-DK" sz="1800" dirty="0"/>
+              <a:t/>
+            </a:r>
+            <a:br>
+              <a:rPr lang="da-DK" altLang="da-DK" sz="1800" dirty="0"/>
+            </a:br>
+            <a:r>
+              <a:rPr lang="da-DK" altLang="da-DK" sz="1800" dirty="0"/>
+              <a:t>(via den testmetode, som I skal skrive i opgave 4)</a:t>
+            </a:r>
+          </a:p>
+          <a:p>
+            <a:pPr marL="271463" lvl="1" indent="-271463">
+              <a:spcBef>
+                <a:spcPts val="1200"/>
+              </a:spcBef>
+              <a:buFontTx/>
+              <a:buChar char="•"/>
+            </a:pPr>
+            <a:r>
               <a:rPr lang="da-DK" altLang="da-DK" sz="1800" b="1" spc="-40" dirty="0" smtClean="0">
                 <a:solidFill>
                   <a:srgbClr val="A50021"/>
                 </a:solidFill>
               </a:rPr>
-              <a:t>Om et øjeblik begynder jeg på dagens første forelæsning</a:t>
+              <a:t>I </a:t>
+            </a:r>
+            <a:r>
+              <a:rPr lang="da-DK" altLang="da-DK" sz="1800" b="1" spc="-40" dirty="0" smtClean="0">
+                <a:solidFill>
+                  <a:srgbClr val="A50021"/>
+                </a:solidFill>
+              </a:rPr>
+              <a:t>kan også bruge Studiecaféen </a:t>
+            </a:r>
+            <a:r>
+              <a:rPr lang="da-DK" altLang="da-DK" sz="1800" b="1" spc="-40" dirty="0">
+                <a:solidFill>
+                  <a:srgbClr val="A50021"/>
+                </a:solidFill>
+              </a:rPr>
+              <a:t>til at stille spørgsmål omkring</a:t>
             </a:r>
           </a:p>
           <a:p>
@@ -6048,52 +5381,38 @@
               <a:spcBef>
                 <a:spcPts val="600"/>
               </a:spcBef>
-              <a:buFontTx/>
-              <a:buChar char="–"/>
             </a:pPr>
             <a:r>
-              <a:rPr lang="da-DK" altLang="da-DK" sz="1600" dirty="0" smtClean="0"/>
-              <a:t>Slå jeres video og audio fra under forelæsningen (for at mindske belastningen på min maskine)</a:t>
+              <a:rPr lang="da-DK" altLang="da-DK" sz="1800" dirty="0"/>
+              <a:t>jeres tidligere afleveringer (og instruktorens kommentarerne til dem)</a:t>
             </a:r>
           </a:p>
           <a:p>
             <a:pPr marL="742950" lvl="1" indent="-285750">
               <a:spcBef>
-                <a:spcPts val="600"/>
+                <a:spcPts val="400"/>
               </a:spcBef>
             </a:pPr>
             <a:r>
-              <a:rPr lang="da-DK" altLang="da-DK" sz="1600" spc="-40" dirty="0" smtClean="0"/>
-              <a:t>Under </a:t>
-            </a:r>
-            <a:r>
-              <a:rPr lang="da-DK" altLang="da-DK" sz="1600" spc="-40" dirty="0"/>
-              <a:t>forelæsningen </a:t>
-            </a:r>
-            <a:r>
-              <a:rPr lang="da-DK" altLang="da-DK" sz="1600" spc="-40" dirty="0" smtClean="0"/>
-              <a:t>læser jeg </a:t>
-            </a:r>
-            <a:r>
-              <a:rPr lang="da-DK" altLang="da-DK" sz="1600" b="1" spc="-40" dirty="0" smtClean="0">
-                <a:solidFill>
-                  <a:srgbClr val="008000"/>
-                </a:solidFill>
-              </a:rPr>
-              <a:t>ikke</a:t>
-            </a:r>
-            <a:r>
-              <a:rPr lang="da-DK" altLang="da-DK" sz="1600" spc="-40" dirty="0" smtClean="0"/>
-              <a:t> eventuelle </a:t>
-            </a:r>
-            <a:r>
-              <a:rPr lang="da-DK" altLang="da-DK" sz="1600" spc="-40" dirty="0"/>
-              <a:t>indlæg på </a:t>
-            </a:r>
-            <a:r>
-              <a:rPr lang="da-DK" altLang="da-DK" sz="1600" spc="-40" dirty="0" smtClean="0"/>
-              <a:t>chatten</a:t>
-            </a:r>
+              <a:rPr lang="da-DK" altLang="da-DK" sz="1800" dirty="0"/>
+              <a:t>BlueJ bogen og mine slides</a:t>
+            </a:r>
+          </a:p>
+          <a:p>
+            <a:pPr marL="742950" lvl="1" indent="-285750">
+              <a:spcBef>
+                <a:spcPts val="400"/>
+              </a:spcBef>
+            </a:pPr>
+            <a:r>
+              <a:rPr lang="da-DK" altLang="da-DK" sz="1800" dirty="0"/>
+              <a:t>alt andet, som I har problemer </a:t>
+            </a:r>
+            <a:r>
+              <a:rPr lang="da-DK" altLang="da-DK" sz="1800" dirty="0" smtClean="0"/>
+              <a:t>med</a:t>
+            </a:r>
+            <a:endParaRPr lang="da-DK" altLang="da-DK" sz="1800" dirty="0"/>
           </a:p>
         </p:txBody>
       </p:sp>
@@ -6105,7 +5424,7 @@
         </p:nvSpPr>
         <p:spPr>
           <a:xfrm rot="21165640">
-            <a:off x="3007717" y="3992434"/>
+            <a:off x="5095949" y="6130194"/>
             <a:ext cx="3280124" cy="523220"/>
           </a:xfrm>
           <a:prstGeom prst="rect">
@@ -6168,81 +5487,10 @@
           </a:p>
         </p:txBody>
       </p:sp>
-      <p:sp>
-        <p:nvSpPr>
-          <p:cNvPr id="6" name="Rectangle 5"/>
-          <p:cNvSpPr/>
-          <p:nvPr/>
-        </p:nvSpPr>
-        <p:spPr>
-          <a:xfrm rot="21139590">
-            <a:off x="3096187" y="4576007"/>
-            <a:ext cx="3194024" cy="523220"/>
-          </a:xfrm>
-          <a:prstGeom prst="rect">
-            <a:avLst/>
-          </a:prstGeom>
-          <a:noFill/>
-        </p:spPr>
-        <p:txBody>
-          <a:bodyPr wrap="square">
-            <a:spAutoFit/>
-            <a:scene3d>
-              <a:camera prst="orthographicFront"/>
-              <a:lightRig rig="flat" dir="tl">
-                <a:rot lat="0" lon="0" rev="6600000"/>
-              </a:lightRig>
-            </a:scene3d>
-            <a:sp3d extrusionH="25400" contourW="8890">
-              <a:bevelT w="38100" h="31750"/>
-              <a:contourClr>
-                <a:schemeClr val="accent2">
-                  <a:shade val="75000"/>
-                </a:schemeClr>
-              </a:contourClr>
-            </a:sp3d>
-          </a:bodyPr>
-          <a:lstStyle/>
-          <a:p>
-            <a:pPr algn="ctr">
-              <a:defRPr/>
-            </a:pPr>
-            <a:r>
-              <a:rPr lang="da-DK" sz="2800" b="1" dirty="0" smtClean="0">
-                <a:ln w="11430"/>
-                <a:solidFill>
-                  <a:srgbClr val="CC0000"/>
-                </a:solidFill>
-                <a:effectLst>
-                  <a:outerShdw blurRad="50800" dist="39000" dir="5460000" algn="tl">
-                    <a:srgbClr val="000000">
-                      <a:alpha val="38000"/>
-                    </a:srgbClr>
-                  </a:outerShdw>
-                </a:effectLst>
-              </a:rPr>
-              <a:t>Start optagelse</a:t>
-            </a:r>
-            <a:endParaRPr lang="da-DK" sz="3200" b="1" dirty="0">
-              <a:ln w="11430"/>
-              <a:solidFill>
-                <a:srgbClr val="CC0000"/>
-              </a:solidFill>
-              <a:effectLst>
-                <a:outerShdw blurRad="50800" dist="39000" dir="5460000" algn="tl">
-                  <a:srgbClr val="000000">
-                    <a:alpha val="38000"/>
-                  </a:srgbClr>
-                </a:outerShdw>
-              </a:effectLst>
-            </a:endParaRPr>
-          </a:p>
-        </p:txBody>
-      </p:sp>
     </p:spTree>
     <p:extLst>
       <p:ext uri="{BB962C8B-B14F-4D97-AF65-F5344CB8AC3E}">
-        <p14:creationId xmlns:p14="http://schemas.microsoft.com/office/powerpoint/2010/main" val="3532133969"/>
+        <p14:creationId xmlns:p14="http://schemas.microsoft.com/office/powerpoint/2010/main" val="239744111"/>
       </p:ext>
     </p:extLst>
   </p:cSld>

--- a/web/g22/status/Status5.pptx
+++ b/web/g22/status/Status5.pptx
@@ -5,15 +5,16 @@
     <p:sldMasterId id="2147483648" r:id="rId1"/>
   </p:sldMasterIdLst>
   <p:notesMasterIdLst>
-    <p:notesMasterId r:id="rId5"/>
+    <p:notesMasterId r:id="rId6"/>
   </p:notesMasterIdLst>
   <p:handoutMasterIdLst>
-    <p:handoutMasterId r:id="rId6"/>
+    <p:handoutMasterId r:id="rId7"/>
   </p:handoutMasterIdLst>
   <p:sldIdLst>
     <p:sldId id="383" r:id="rId2"/>
-    <p:sldId id="389" r:id="rId3"/>
-    <p:sldId id="386" r:id="rId4"/>
+    <p:sldId id="390" r:id="rId3"/>
+    <p:sldId id="389" r:id="rId4"/>
+    <p:sldId id="386" r:id="rId5"/>
   </p:sldIdLst>
   <p:sldSz cx="9144000" cy="6858000" type="screen4x3"/>
   <p:notesSz cx="7099300" cy="10234613"/>
@@ -148,6 +149,7 @@
         <p14:section name="Default Section" id="{6DAA713F-5F37-409B-BE0B-0BDA6802FF5C}">
           <p14:sldIdLst>
             <p14:sldId id="383"/>
+            <p14:sldId id="390"/>
             <p14:sldId id="389"/>
             <p14:sldId id="386"/>
           </p14:sldIdLst>
@@ -1515,7 +1517,7 @@
         <p:txBody>
           <a:bodyPr/>
           <a:lstStyle>
-            <a:lvl1pPr defTabSz="990528" eaLnBrk="0" hangingPunct="0">
+            <a:lvl1pPr defTabSz="954542" eaLnBrk="0" hangingPunct="0">
               <a:spcBef>
                 <a:spcPct val="30000"/>
               </a:spcBef>
@@ -1527,7 +1529,7 @@
                 <a:ea typeface="ＭＳ Ｐゴシック" pitchFamily="34" charset="-128"/>
               </a:defRPr>
             </a:lvl1pPr>
-            <a:lvl2pPr marL="742897" indent="-285730" defTabSz="990528" eaLnBrk="0" hangingPunct="0">
+            <a:lvl2pPr marL="715907" indent="-275349" defTabSz="954542" eaLnBrk="0" hangingPunct="0">
               <a:spcBef>
                 <a:spcPct val="30000"/>
               </a:spcBef>
@@ -1539,7 +1541,7 @@
                 <a:ea typeface="ＭＳ Ｐゴシック" pitchFamily="34" charset="-128"/>
               </a:defRPr>
             </a:lvl2pPr>
-            <a:lvl3pPr marL="1142918" indent="-228584" defTabSz="990528" eaLnBrk="0" hangingPunct="0">
+            <a:lvl3pPr marL="1101395" indent="-220279" defTabSz="954542" eaLnBrk="0" hangingPunct="0">
               <a:spcBef>
                 <a:spcPct val="30000"/>
               </a:spcBef>
@@ -1551,7 +1553,7 @@
                 <a:ea typeface="ＭＳ Ｐゴシック" pitchFamily="34" charset="-128"/>
               </a:defRPr>
             </a:lvl3pPr>
-            <a:lvl4pPr marL="1600085" indent="-228584" defTabSz="990528" eaLnBrk="0" hangingPunct="0">
+            <a:lvl4pPr marL="1541953" indent="-220279" defTabSz="954542" eaLnBrk="0" hangingPunct="0">
               <a:spcBef>
                 <a:spcPct val="30000"/>
               </a:spcBef>
@@ -1563,7 +1565,7 @@
                 <a:ea typeface="ＭＳ Ｐゴシック" pitchFamily="34" charset="-128"/>
               </a:defRPr>
             </a:lvl4pPr>
-            <a:lvl5pPr marL="2057252" indent="-228584" defTabSz="990528" eaLnBrk="0" hangingPunct="0">
+            <a:lvl5pPr marL="1982511" indent="-220279" defTabSz="954542" eaLnBrk="0" hangingPunct="0">
               <a:spcBef>
                 <a:spcPct val="30000"/>
               </a:spcBef>
@@ -1575,7 +1577,7 @@
                 <a:ea typeface="ＭＳ Ｐゴシック" pitchFamily="34" charset="-128"/>
               </a:defRPr>
             </a:lvl5pPr>
-            <a:lvl6pPr marL="2514419" indent="-228584" defTabSz="990528" eaLnBrk="0" fontAlgn="base" hangingPunct="0">
+            <a:lvl6pPr marL="2423069" indent="-220279" defTabSz="954542" eaLnBrk="0" fontAlgn="base" hangingPunct="0">
               <a:spcBef>
                 <a:spcPct val="30000"/>
               </a:spcBef>
@@ -1590,7 +1592,7 @@
                 <a:ea typeface="ＭＳ Ｐゴシック" pitchFamily="34" charset="-128"/>
               </a:defRPr>
             </a:lvl6pPr>
-            <a:lvl7pPr marL="2971585" indent="-228584" defTabSz="990528" eaLnBrk="0" fontAlgn="base" hangingPunct="0">
+            <a:lvl7pPr marL="2863626" indent="-220279" defTabSz="954542" eaLnBrk="0" fontAlgn="base" hangingPunct="0">
               <a:spcBef>
                 <a:spcPct val="30000"/>
               </a:spcBef>
@@ -1605,7 +1607,7 @@
                 <a:ea typeface="ＭＳ Ｐゴシック" pitchFamily="34" charset="-128"/>
               </a:defRPr>
             </a:lvl7pPr>
-            <a:lvl8pPr marL="3428752" indent="-228584" defTabSz="990528" eaLnBrk="0" fontAlgn="base" hangingPunct="0">
+            <a:lvl8pPr marL="3304184" indent="-220279" defTabSz="954542" eaLnBrk="0" fontAlgn="base" hangingPunct="0">
               <a:spcBef>
                 <a:spcPct val="30000"/>
               </a:spcBef>
@@ -1620,7 +1622,7 @@
                 <a:ea typeface="ＭＳ Ｐゴシック" pitchFamily="34" charset="-128"/>
               </a:defRPr>
             </a:lvl8pPr>
-            <a:lvl9pPr marL="3885919" indent="-228584" defTabSz="990528" eaLnBrk="0" fontAlgn="base" hangingPunct="0">
+            <a:lvl9pPr marL="3744742" indent="-220279" defTabSz="954542" eaLnBrk="0" fontAlgn="base" hangingPunct="0">
               <a:spcBef>
                 <a:spcPct val="30000"/>
               </a:spcBef>
@@ -1675,8 +1677,8 @@
         </p:nvSpPr>
         <p:spPr>
           <a:xfrm>
-            <a:off x="992188" y="768350"/>
-            <a:ext cx="5114925" cy="3836988"/>
+            <a:off x="896938" y="746125"/>
+            <a:ext cx="4967287" cy="3727450"/>
           </a:xfrm>
           <a:ln/>
         </p:spPr>
@@ -1729,7 +1731,7 @@
     </p:spTree>
     <p:extLst>
       <p:ext uri="{BB962C8B-B14F-4D97-AF65-F5344CB8AC3E}">
-        <p14:creationId xmlns:p14="http://schemas.microsoft.com/office/powerpoint/2010/main" val="3515384205"/>
+        <p14:creationId xmlns:p14="http://schemas.microsoft.com/office/powerpoint/2010/main" val="1037920561"/>
       </p:ext>
     </p:extLst>
   </p:cSld>
@@ -1931,6 +1933,283 @@
                 </a:spcBef>
               </a:pPr>
               <a:t>3</a:t>
+            </a:fld>
+            <a:endParaRPr lang="da-DK" altLang="da-DK" sz="1300">
+              <a:solidFill>
+                <a:srgbClr val="CC0000"/>
+              </a:solidFill>
+            </a:endParaRPr>
+          </a:p>
+        </p:txBody>
+      </p:sp>
+      <p:sp>
+        <p:nvSpPr>
+          <p:cNvPr id="22531" name="Rectangle 2"/>
+          <p:cNvSpPr>
+            <a:spLocks noGrp="1" noRot="1" noChangeAspect="1" noChangeArrowheads="1" noTextEdit="1"/>
+          </p:cNvSpPr>
+          <p:nvPr>
+            <p:ph type="sldImg"/>
+          </p:nvPr>
+        </p:nvSpPr>
+        <p:spPr>
+          <a:xfrm>
+            <a:off x="992188" y="768350"/>
+            <a:ext cx="5114925" cy="3836988"/>
+          </a:xfrm>
+          <a:ln/>
+        </p:spPr>
+      </p:sp>
+      <p:sp>
+        <p:nvSpPr>
+          <p:cNvPr id="22532" name="Rectangle 3"/>
+          <p:cNvSpPr>
+            <a:spLocks noGrp="1" noChangeArrowheads="1"/>
+          </p:cNvSpPr>
+          <p:nvPr>
+            <p:ph type="body" idx="1"/>
+          </p:nvPr>
+        </p:nvSpPr>
+        <p:spPr>
+          <a:noFill/>
+          <a:ln/>
+          <a:extLst>
+            <a:ext uri="{909E8E84-426E-40DD-AFC4-6F175D3DCCD1}">
+              <a14:hiddenFill xmlns:a14="http://schemas.microsoft.com/office/drawing/2010/main">
+                <a:solidFill>
+                  <a:srgbClr val="FFFFFF"/>
+                </a:solidFill>
+              </a14:hiddenFill>
+            </a:ext>
+            <a:ext uri="{91240B29-F687-4F45-9708-019B960494DF}">
+              <a14:hiddenLine xmlns:a14="http://schemas.microsoft.com/office/drawing/2010/main" w="9525">
+                <a:solidFill>
+                  <a:srgbClr val="000000"/>
+                </a:solidFill>
+                <a:miter lim="800000"/>
+                <a:headEnd/>
+                <a:tailEnd/>
+              </a14:hiddenLine>
+            </a:ext>
+          </a:extLst>
+        </p:spPr>
+        <p:txBody>
+          <a:bodyPr/>
+          <a:lstStyle/>
+          <a:p>
+            <a:pPr eaLnBrk="1" hangingPunct="1"/>
+            <a:endParaRPr lang="en-US" altLang="da-DK" smtClean="0">
+              <a:latin typeface="Times New Roman" pitchFamily="18" charset="0"/>
+              <a:ea typeface="ＭＳ Ｐゴシック" pitchFamily="34" charset="-128"/>
+            </a:endParaRPr>
+          </a:p>
+        </p:txBody>
+      </p:sp>
+    </p:spTree>
+    <p:extLst>
+      <p:ext uri="{BB962C8B-B14F-4D97-AF65-F5344CB8AC3E}">
+        <p14:creationId xmlns:p14="http://schemas.microsoft.com/office/powerpoint/2010/main" val="3515384205"/>
+      </p:ext>
+    </p:extLst>
+  </p:cSld>
+  <p:clrMapOvr>
+    <a:masterClrMapping/>
+  </p:clrMapOvr>
+</p:notes>
+</file>
+
+<file path=ppt/notesSlides/notesSlide4.xml><?xml version="1.0" encoding="utf-8"?>
+<p:notes xmlns:a="http://schemas.openxmlformats.org/drawingml/2006/main" xmlns:r="http://schemas.openxmlformats.org/officeDocument/2006/relationships" xmlns:p="http://schemas.openxmlformats.org/presentationml/2006/main">
+  <p:cSld>
+    <p:spTree>
+      <p:nvGrpSpPr>
+        <p:cNvPr id="1" name=""/>
+        <p:cNvGrpSpPr/>
+        <p:nvPr/>
+      </p:nvGrpSpPr>
+      <p:grpSpPr>
+        <a:xfrm>
+          <a:off x="0" y="0"/>
+          <a:ext cx="0" cy="0"/>
+          <a:chOff x="0" y="0"/>
+          <a:chExt cx="0" cy="0"/>
+        </a:xfrm>
+      </p:grpSpPr>
+      <p:sp>
+        <p:nvSpPr>
+          <p:cNvPr id="22530" name="Rectangle 7"/>
+          <p:cNvSpPr>
+            <a:spLocks noGrp="1" noChangeArrowheads="1"/>
+          </p:cNvSpPr>
+          <p:nvPr>
+            <p:ph type="sldNum" sz="quarter" idx="5"/>
+          </p:nvPr>
+        </p:nvSpPr>
+        <p:spPr>
+          <a:noFill/>
+          <a:ln/>
+          <a:extLst>
+            <a:ext uri="{909E8E84-426E-40DD-AFC4-6F175D3DCCD1}">
+              <a14:hiddenFill xmlns:a14="http://schemas.microsoft.com/office/drawing/2010/main">
+                <a:solidFill>
+                  <a:srgbClr val="FFFFFF"/>
+                </a:solidFill>
+              </a14:hiddenFill>
+            </a:ext>
+            <a:ext uri="{91240B29-F687-4F45-9708-019B960494DF}">
+              <a14:hiddenLine xmlns:a14="http://schemas.microsoft.com/office/drawing/2010/main" w="9525">
+                <a:solidFill>
+                  <a:srgbClr val="000000"/>
+                </a:solidFill>
+                <a:miter lim="800000"/>
+                <a:headEnd/>
+                <a:tailEnd/>
+              </a14:hiddenLine>
+            </a:ext>
+          </a:extLst>
+        </p:spPr>
+        <p:txBody>
+          <a:bodyPr/>
+          <a:lstStyle>
+            <a:lvl1pPr defTabSz="990528" eaLnBrk="0" hangingPunct="0">
+              <a:spcBef>
+                <a:spcPct val="30000"/>
+              </a:spcBef>
+              <a:defRPr sz="1200">
+                <a:solidFill>
+                  <a:schemeClr val="tx1"/>
+                </a:solidFill>
+                <a:latin typeface="Times New Roman" pitchFamily="18" charset="0"/>
+                <a:ea typeface="ＭＳ Ｐゴシック" pitchFamily="34" charset="-128"/>
+              </a:defRPr>
+            </a:lvl1pPr>
+            <a:lvl2pPr marL="742897" indent="-285730" defTabSz="990528" eaLnBrk="0" hangingPunct="0">
+              <a:spcBef>
+                <a:spcPct val="30000"/>
+              </a:spcBef>
+              <a:defRPr sz="1200">
+                <a:solidFill>
+                  <a:schemeClr val="tx1"/>
+                </a:solidFill>
+                <a:latin typeface="Times New Roman" pitchFamily="18" charset="0"/>
+                <a:ea typeface="ＭＳ Ｐゴシック" pitchFamily="34" charset="-128"/>
+              </a:defRPr>
+            </a:lvl2pPr>
+            <a:lvl3pPr marL="1142918" indent="-228584" defTabSz="990528" eaLnBrk="0" hangingPunct="0">
+              <a:spcBef>
+                <a:spcPct val="30000"/>
+              </a:spcBef>
+              <a:defRPr sz="1200">
+                <a:solidFill>
+                  <a:schemeClr val="tx1"/>
+                </a:solidFill>
+                <a:latin typeface="Times New Roman" pitchFamily="18" charset="0"/>
+                <a:ea typeface="ＭＳ Ｐゴシック" pitchFamily="34" charset="-128"/>
+              </a:defRPr>
+            </a:lvl3pPr>
+            <a:lvl4pPr marL="1600085" indent="-228584" defTabSz="990528" eaLnBrk="0" hangingPunct="0">
+              <a:spcBef>
+                <a:spcPct val="30000"/>
+              </a:spcBef>
+              <a:defRPr sz="1200">
+                <a:solidFill>
+                  <a:schemeClr val="tx1"/>
+                </a:solidFill>
+                <a:latin typeface="Times New Roman" pitchFamily="18" charset="0"/>
+                <a:ea typeface="ＭＳ Ｐゴシック" pitchFamily="34" charset="-128"/>
+              </a:defRPr>
+            </a:lvl4pPr>
+            <a:lvl5pPr marL="2057252" indent="-228584" defTabSz="990528" eaLnBrk="0" hangingPunct="0">
+              <a:spcBef>
+                <a:spcPct val="30000"/>
+              </a:spcBef>
+              <a:defRPr sz="1200">
+                <a:solidFill>
+                  <a:schemeClr val="tx1"/>
+                </a:solidFill>
+                <a:latin typeface="Times New Roman" pitchFamily="18" charset="0"/>
+                <a:ea typeface="ＭＳ Ｐゴシック" pitchFamily="34" charset="-128"/>
+              </a:defRPr>
+            </a:lvl5pPr>
+            <a:lvl6pPr marL="2514419" indent="-228584" defTabSz="990528" eaLnBrk="0" fontAlgn="base" hangingPunct="0">
+              <a:spcBef>
+                <a:spcPct val="30000"/>
+              </a:spcBef>
+              <a:spcAft>
+                <a:spcPct val="0"/>
+              </a:spcAft>
+              <a:defRPr sz="1200">
+                <a:solidFill>
+                  <a:schemeClr val="tx1"/>
+                </a:solidFill>
+                <a:latin typeface="Times New Roman" pitchFamily="18" charset="0"/>
+                <a:ea typeface="ＭＳ Ｐゴシック" pitchFamily="34" charset="-128"/>
+              </a:defRPr>
+            </a:lvl6pPr>
+            <a:lvl7pPr marL="2971585" indent="-228584" defTabSz="990528" eaLnBrk="0" fontAlgn="base" hangingPunct="0">
+              <a:spcBef>
+                <a:spcPct val="30000"/>
+              </a:spcBef>
+              <a:spcAft>
+                <a:spcPct val="0"/>
+              </a:spcAft>
+              <a:defRPr sz="1200">
+                <a:solidFill>
+                  <a:schemeClr val="tx1"/>
+                </a:solidFill>
+                <a:latin typeface="Times New Roman" pitchFamily="18" charset="0"/>
+                <a:ea typeface="ＭＳ Ｐゴシック" pitchFamily="34" charset="-128"/>
+              </a:defRPr>
+            </a:lvl7pPr>
+            <a:lvl8pPr marL="3428752" indent="-228584" defTabSz="990528" eaLnBrk="0" fontAlgn="base" hangingPunct="0">
+              <a:spcBef>
+                <a:spcPct val="30000"/>
+              </a:spcBef>
+              <a:spcAft>
+                <a:spcPct val="0"/>
+              </a:spcAft>
+              <a:defRPr sz="1200">
+                <a:solidFill>
+                  <a:schemeClr val="tx1"/>
+                </a:solidFill>
+                <a:latin typeface="Times New Roman" pitchFamily="18" charset="0"/>
+                <a:ea typeface="ＭＳ Ｐゴシック" pitchFamily="34" charset="-128"/>
+              </a:defRPr>
+            </a:lvl8pPr>
+            <a:lvl9pPr marL="3885919" indent="-228584" defTabSz="990528" eaLnBrk="0" fontAlgn="base" hangingPunct="0">
+              <a:spcBef>
+                <a:spcPct val="30000"/>
+              </a:spcBef>
+              <a:spcAft>
+                <a:spcPct val="0"/>
+              </a:spcAft>
+              <a:defRPr sz="1200">
+                <a:solidFill>
+                  <a:schemeClr val="tx1"/>
+                </a:solidFill>
+                <a:latin typeface="Times New Roman" pitchFamily="18" charset="0"/>
+                <a:ea typeface="ＭＳ Ｐゴシック" pitchFamily="34" charset="-128"/>
+              </a:defRPr>
+            </a:lvl9pPr>
+          </a:lstStyle>
+          <a:p>
+            <a:pPr eaLnBrk="1" hangingPunct="1">
+              <a:spcBef>
+                <a:spcPct val="0"/>
+              </a:spcBef>
+            </a:pPr>
+            <a:fld id="{392CB419-FA32-4238-A473-EBED58FF00DE}" type="slidenum">
+              <a:rPr lang="da-DK" altLang="da-DK" sz="1300">
+                <a:solidFill>
+                  <a:srgbClr val="CC0000"/>
+                </a:solidFill>
+              </a:rPr>
+              <a:pPr eaLnBrk="1" hangingPunct="1">
+                <a:spcBef>
+                  <a:spcPct val="0"/>
+                </a:spcBef>
+              </a:pPr>
+              <a:t>4</a:t>
             </a:fld>
             <a:endParaRPr lang="da-DK" altLang="da-DK" sz="1300">
               <a:solidFill>
@@ -3770,7 +4049,7 @@
         <p:spPr bwMode="auto">
           <a:xfrm>
             <a:off x="447451" y="1124744"/>
-            <a:ext cx="8411757" cy="2808312"/>
+            <a:ext cx="8589045" cy="2736304"/>
           </a:xfrm>
           <a:prstGeom prst="rect">
             <a:avLst/>
@@ -4009,8 +4288,12 @@
               </a:spcBef>
             </a:pPr>
             <a:r>
+              <a:rPr lang="da-DK" sz="1600" dirty="0" smtClean="0"/>
+              <a:t>14.30 </a:t>
+            </a:r>
+            <a:r>
               <a:rPr lang="da-DK" sz="1600" dirty="0"/>
-              <a:t>15.00 Øvelser omkring Dronningeopgaven</a:t>
+              <a:t>Øvelser omkring Dronningeopgaven</a:t>
             </a:r>
           </a:p>
           <a:p>
@@ -4027,6 +4310,7 @@
               <a:rPr lang="da-DK" sz="1600" dirty="0" smtClean="0"/>
               <a:t>Slut</a:t>
             </a:r>
+            <a:endParaRPr lang="da-DK" sz="1600" dirty="0"/>
           </a:p>
           <a:p>
             <a:pPr marL="742950" lvl="1" indent="-285750">
@@ -4046,8 +4330,8 @@
         </p:nvSpPr>
         <p:spPr>
           <a:xfrm rot="21139590">
-            <a:off x="4160584" y="3671445"/>
-            <a:ext cx="3194024" cy="523220"/>
+            <a:off x="5992353" y="2012024"/>
+            <a:ext cx="2568331" cy="954107"/>
           </a:xfrm>
           <a:prstGeom prst="rect">
             <a:avLst/>
@@ -4156,8 +4440,8 @@
         </p:nvSpPr>
         <p:spPr bwMode="auto">
           <a:xfrm>
-            <a:off x="391376" y="260648"/>
-            <a:ext cx="8793295" cy="682625"/>
+            <a:off x="480723" y="287035"/>
+            <a:ext cx="8555773" cy="682625"/>
           </a:xfrm>
           <a:prstGeom prst="rect">
             <a:avLst/>
@@ -4327,12 +4611,16 @@
             </a:lvl9pPr>
           </a:lstStyle>
           <a:p>
-            <a:pPr marL="271463" indent="-271463"/>
-            <a:r>
-              <a:rPr lang="da-DK" altLang="da-DK" sz="2800" dirty="0" smtClean="0"/>
-              <a:t>Afleveringsopgaverne</a:t>
-            </a:r>
-            <a:endParaRPr lang="da-DK" altLang="da-DK" sz="2800" dirty="0"/>
+            <a:pPr>
+              <a:defRPr/>
+            </a:pPr>
+            <a:r>
+              <a:rPr lang="da-DK" sz="3200" dirty="0" smtClean="0"/>
+              <a:t>Kursets anden halvdel</a:t>
+            </a:r>
+            <a:endParaRPr lang="da-DK" altLang="da-DK" sz="3200" kern="0" dirty="0" smtClean="0">
+              <a:ea typeface="ＭＳ Ｐゴシック" pitchFamily="34" charset="-128"/>
+            </a:endParaRPr>
           </a:p>
         </p:txBody>
       </p:sp>
@@ -4346,8 +4634,8 @@
         </p:nvSpPr>
         <p:spPr bwMode="auto">
           <a:xfrm>
-            <a:off x="611560" y="1052736"/>
-            <a:ext cx="8424936" cy="5400600"/>
+            <a:off x="447451" y="1124744"/>
+            <a:ext cx="8373021" cy="3816424"/>
           </a:xfrm>
           <a:prstGeom prst="rect">
             <a:avLst/>
@@ -4510,20 +4798,18 @@
             </a:lvl9pPr>
           </a:lstStyle>
           <a:p>
-            <a:pPr marL="271463" lvl="1" indent="-271463">
+            <a:pPr marL="285750" indent="-285750">
               <a:spcBef>
                 <a:spcPts val="1800"/>
               </a:spcBef>
-              <a:buFontTx/>
-              <a:buChar char="•"/>
             </a:pPr>
             <a:r>
-              <a:rPr lang="da-DK" altLang="da-DK" sz="1800" b="1" spc="-80" dirty="0" smtClean="0">
-                <a:solidFill>
-                  <a:srgbClr val="A50021"/>
-                </a:solidFill>
-              </a:rPr>
-              <a:t>I Quiz 4 var jeres gennemsnitlige vurdering af pensummets sværhedsgrad 3,63</a:t>
+              <a:rPr lang="da-DK" sz="1800" dirty="0" smtClean="0"/>
+              <a:t>Kurset </a:t>
+            </a:r>
+            <a:r>
+              <a:rPr lang="da-DK" sz="1800" dirty="0"/>
+              <a:t>går nu ind i sin anden halvdel, hvor vi tager fat på de lidt mere avancerede begreber i objekt-orienteret programmering.</a:t>
             </a:r>
           </a:p>
           <a:p>
@@ -4533,20 +4819,12 @@
               </a:spcBef>
             </a:pPr>
             <a:r>
-              <a:rPr lang="da-DK" altLang="da-DK" sz="1600" dirty="0" smtClean="0"/>
-              <a:t>Det er </a:t>
-            </a:r>
-            <a:r>
-              <a:rPr lang="da-DK" altLang="da-DK" sz="1600" dirty="0" smtClean="0"/>
-              <a:t>meget </a:t>
-            </a:r>
-            <a:r>
-              <a:rPr lang="da-DK" altLang="da-DK" sz="1600" dirty="0" smtClean="0"/>
-              <a:t>lavere end sidste gang, hvor den var </a:t>
-            </a:r>
-            <a:r>
-              <a:rPr lang="da-DK" altLang="da-DK" sz="1600" dirty="0" smtClean="0"/>
-              <a:t>3,92</a:t>
+              <a:rPr lang="da-DK" sz="1600" dirty="0"/>
+              <a:t>Det betyder, at studerende, der hidtil har kunnet tage lidt let på kurset på grund af deres forudgående programmeringserfaring, nu skal til at lave betydeligt mere, hvis de vil kunne følge ordentligt </a:t>
+            </a:r>
+            <a:r>
+              <a:rPr lang="da-DK" sz="1600" dirty="0" smtClean="0"/>
+              <a:t>med</a:t>
             </a:r>
           </a:p>
           <a:p>
@@ -4556,9 +4834,26 @@
               </a:spcBef>
             </a:pPr>
             <a:r>
-              <a:rPr lang="da-DK" altLang="da-DK" sz="1600" dirty="0" smtClean="0"/>
-              <a:t>Nogle skriver i kommentarerne, at de ikke helt forstår interfaces</a:t>
-            </a:r>
+              <a:rPr lang="da-DK" sz="1600" dirty="0" smtClean="0"/>
+              <a:t>Fremover </a:t>
+            </a:r>
+            <a:r>
+              <a:rPr lang="da-DK" sz="1600" dirty="0"/>
+              <a:t>vil de fleste af de ting, som vi beskæftiger os med, være ting, som studerende med programmeringserfaring ikke vil have </a:t>
+            </a:r>
+            <a:r>
+              <a:rPr lang="da-DK" sz="1600" dirty="0" smtClean="0"/>
+              <a:t>forhåndskendskab </a:t>
+            </a:r>
+            <a:r>
+              <a:rPr lang="da-DK" sz="1600" dirty="0"/>
+              <a:t>til – med mindre de direkte har beskæftiget sig med objekt-orienteret </a:t>
+            </a:r>
+            <a:r>
+              <a:rPr lang="da-DK" sz="1600" dirty="0" smtClean="0"/>
+              <a:t>programmering</a:t>
+            </a:r>
+            <a:endParaRPr lang="da-DK" sz="1600" dirty="0"/>
           </a:p>
           <a:p>
             <a:pPr marL="742950" lvl="1" indent="-285750">
@@ -4567,236 +4862,53 @@
               </a:spcBef>
             </a:pPr>
             <a:r>
-              <a:rPr lang="da-DK" altLang="da-DK" sz="1600" dirty="0"/>
-              <a:t>D</a:t>
-            </a:r>
-            <a:r>
-              <a:rPr lang="da-DK" altLang="da-DK" sz="1600" dirty="0" smtClean="0"/>
-              <a:t>et er noget, som vi kommer tilbage til på seminar 7, hvor der er en forelæsning om interfaces og abstrakte klasser</a:t>
-            </a:r>
-            <a:endParaRPr lang="da-DK" altLang="da-DK" sz="1600" dirty="0" smtClean="0"/>
-          </a:p>
-          <a:p>
-            <a:pPr marL="271463" lvl="1" indent="-271463">
-              <a:spcBef>
-                <a:spcPts val="1200"/>
-              </a:spcBef>
-              <a:buFontTx/>
-              <a:buChar char="•"/>
+              <a:rPr lang="da-DK" sz="1600" dirty="0"/>
+              <a:t>For studerende uden programmeringserfaring vil belastningen ikke stige. Det er blot dem med programmeringserfaring, der nu går fra en forholdsvis let belastning til en mere </a:t>
+            </a:r>
+            <a:r>
+              <a:rPr lang="da-DK" sz="1600" dirty="0" smtClean="0"/>
+              <a:t>normal</a:t>
+            </a:r>
+            <a:endParaRPr lang="da-DK" sz="1600" dirty="0"/>
+          </a:p>
+          <a:p>
+            <a:pPr marL="742950" lvl="1" indent="-285750">
+              <a:spcBef>
+                <a:spcPts val="600"/>
+              </a:spcBef>
             </a:pPr>
             <a:r>
-              <a:rPr lang="da-DK" altLang="da-DK" sz="1800" b="1" spc="-40" dirty="0" smtClean="0">
-                <a:solidFill>
-                  <a:srgbClr val="A50021"/>
-                </a:solidFill>
-              </a:rPr>
-              <a:t>I har klaret køreprøvesættene rigtigt flot</a:t>
-            </a:r>
+              <a:rPr lang="da-DK" sz="1600" dirty="0"/>
+              <a:t>De fleste eksamensspørgsmål (6 ud af 8) bygger på det stof, som resten af kurset beskæftiger sig </a:t>
+            </a:r>
+            <a:r>
+              <a:rPr lang="da-DK" sz="1600" dirty="0" smtClean="0"/>
+              <a:t>med</a:t>
+            </a:r>
+            <a:endParaRPr lang="da-DK" sz="1600" dirty="0"/>
           </a:p>
           <a:p>
             <a:pPr marL="742950" lvl="1" indent="-285750">
               <a:spcBef>
                 <a:spcPts val="600"/>
               </a:spcBef>
-              <a:buFontTx/>
-              <a:buChar char="–"/>
             </a:pPr>
-            <a:r>
-              <a:rPr lang="da-DK" altLang="da-DK" sz="1600" dirty="0" smtClean="0"/>
-              <a:t>Meget få </a:t>
-            </a:r>
-            <a:r>
-              <a:rPr lang="da-DK" altLang="da-DK" sz="1600" dirty="0" smtClean="0"/>
-              <a:t>genafleveringer</a:t>
-            </a:r>
-            <a:endParaRPr lang="da-DK" altLang="da-DK" sz="1600" dirty="0" smtClean="0"/>
-          </a:p>
-          <a:p>
-            <a:pPr marL="271463" lvl="1" indent="-271463">
-              <a:spcBef>
-                <a:spcPts val="1200"/>
-              </a:spcBef>
-              <a:buFontTx/>
-              <a:buChar char="•"/>
+            <a:endParaRPr lang="da-DK" sz="1600" dirty="0"/>
+          </a:p>
+          <a:p>
+            <a:pPr marL="742950" lvl="1" indent="-285750">
+              <a:spcBef>
+                <a:spcPts val="600"/>
+              </a:spcBef>
             </a:pPr>
-            <a:r>
-              <a:rPr lang="da-DK" altLang="da-DK" sz="1800" b="1" spc="-40" dirty="0">
-                <a:solidFill>
-                  <a:srgbClr val="A50021"/>
-                </a:solidFill>
-              </a:rPr>
-              <a:t>I har klaret Quiz </a:t>
-            </a:r>
-            <a:r>
-              <a:rPr lang="da-DK" altLang="da-DK" sz="1800" b="1" spc="-40" dirty="0" smtClean="0">
-                <a:solidFill>
-                  <a:srgbClr val="A50021"/>
-                </a:solidFill>
-              </a:rPr>
-              <a:t>4 </a:t>
-            </a:r>
-            <a:r>
-              <a:rPr lang="da-DK" altLang="da-DK" sz="1800" b="1" spc="-40" dirty="0" smtClean="0">
-                <a:solidFill>
-                  <a:srgbClr val="A50021"/>
-                </a:solidFill>
-              </a:rPr>
-              <a:t>flot</a:t>
-            </a:r>
-            <a:endParaRPr lang="da-DK" altLang="da-DK" sz="1800" b="1" spc="-40" dirty="0">
-              <a:solidFill>
-                <a:srgbClr val="A50021"/>
-              </a:solidFill>
-            </a:endParaRPr>
-          </a:p>
-          <a:p>
-            <a:pPr marL="742950" lvl="1" indent="-285750">
-              <a:spcBef>
-                <a:spcPts val="600"/>
-              </a:spcBef>
-              <a:buFontTx/>
-              <a:buChar char="–"/>
-            </a:pPr>
-            <a:r>
-              <a:rPr lang="da-DK" altLang="da-DK" sz="1600" dirty="0" smtClean="0"/>
-              <a:t>I brugte 1,42 forsøg pr spørgsmål (mod </a:t>
-            </a:r>
-            <a:r>
-              <a:rPr lang="da-DK" altLang="da-DK" sz="1600" dirty="0" smtClean="0"/>
-              <a:t>1,42 </a:t>
-            </a:r>
-            <a:r>
-              <a:rPr lang="da-DK" altLang="da-DK" sz="1600" dirty="0" smtClean="0"/>
-              <a:t>i </a:t>
-            </a:r>
-            <a:r>
-              <a:rPr lang="da-DK" altLang="da-DK" sz="1600" dirty="0" smtClean="0"/>
-              <a:t>foråret 2022)</a:t>
-            </a:r>
-            <a:endParaRPr lang="da-DK" altLang="da-DK" sz="1600" dirty="0"/>
-          </a:p>
-          <a:p>
-            <a:pPr marL="271463" lvl="1" indent="-271463">
-              <a:spcBef>
-                <a:spcPts val="1200"/>
-              </a:spcBef>
-              <a:buFontTx/>
-              <a:buChar char="•"/>
-            </a:pPr>
-            <a:r>
-              <a:rPr lang="da-DK" altLang="da-DK" sz="1800" b="1" spc="-40" dirty="0">
-                <a:solidFill>
-                  <a:srgbClr val="A50021"/>
-                </a:solidFill>
-              </a:rPr>
-              <a:t>I opgiver ofte lidt for let, når der er </a:t>
-            </a:r>
-            <a:r>
-              <a:rPr lang="da-DK" altLang="da-DK" sz="1800" b="1" spc="-40" dirty="0" smtClean="0">
-                <a:solidFill>
-                  <a:srgbClr val="A50021"/>
-                </a:solidFill>
-              </a:rPr>
-              <a:t>problemer i opgaverne</a:t>
-            </a:r>
-            <a:endParaRPr lang="da-DK" altLang="da-DK" sz="1800" b="1" spc="-40" dirty="0">
-              <a:solidFill>
-                <a:srgbClr val="A50021"/>
-              </a:solidFill>
-            </a:endParaRPr>
-          </a:p>
-          <a:p>
-            <a:pPr marL="742950" lvl="1" indent="-285750">
-              <a:spcBef>
-                <a:spcPts val="600"/>
-              </a:spcBef>
-            </a:pPr>
-            <a:r>
-              <a:rPr lang="da-DK" altLang="da-DK" sz="1600" dirty="0"/>
-              <a:t>Hvis testserveren underkende en metode, bliver I nødt til at nærlæse den kode I har skrevet for den pågældende metode</a:t>
-            </a:r>
-          </a:p>
-          <a:p>
-            <a:pPr marL="742950" lvl="1" indent="-285750">
-              <a:spcBef>
-                <a:spcPts val="600"/>
-              </a:spcBef>
-            </a:pPr>
-            <a:r>
-              <a:rPr lang="da-DK" altLang="da-DK" sz="1600" dirty="0"/>
-              <a:t>Ofte </a:t>
-            </a:r>
-            <a:r>
-              <a:rPr lang="da-DK" altLang="da-DK" sz="1600" dirty="0" smtClean="0"/>
-              <a:t>drejer </a:t>
-            </a:r>
-            <a:r>
-              <a:rPr lang="da-DK" altLang="da-DK" sz="1600" dirty="0"/>
-              <a:t>det sig om ganske få linjer</a:t>
-            </a:r>
-          </a:p>
-          <a:p>
-            <a:pPr marL="742950" lvl="1" indent="-285750">
-              <a:spcBef>
-                <a:spcPts val="600"/>
-              </a:spcBef>
-            </a:pPr>
-            <a:r>
-              <a:rPr lang="da-DK" altLang="da-DK" sz="1600" dirty="0"/>
-              <a:t>Kig hver linje grundigt igennem og læg specielt mærke til parenteser, semikolonner, kommaer og lignende</a:t>
-            </a:r>
-          </a:p>
-          <a:p>
-            <a:pPr marL="742950" lvl="1" indent="-285750">
-              <a:spcBef>
-                <a:spcPts val="600"/>
-              </a:spcBef>
-            </a:pPr>
-            <a:r>
-              <a:rPr lang="da-DK" altLang="da-DK" sz="1600" dirty="0"/>
-              <a:t>Tjek </a:t>
-            </a:r>
-            <a:r>
-              <a:rPr lang="da-DK" altLang="da-DK" sz="1600" dirty="0" smtClean="0"/>
-              <a:t>også, </a:t>
-            </a:r>
-            <a:r>
-              <a:rPr lang="da-DK" altLang="da-DK" sz="1600" dirty="0"/>
-              <a:t>at I bruger de korrekte navne (i forhold til opgaveformuleringen)</a:t>
-            </a:r>
-          </a:p>
-          <a:p>
-            <a:pPr marL="742950" lvl="1" indent="-285750">
-              <a:spcBef>
-                <a:spcPts val="600"/>
-              </a:spcBef>
-            </a:pPr>
-            <a:r>
-              <a:rPr lang="da-DK" altLang="da-DK" sz="1600" dirty="0"/>
-              <a:t>Debugging er en væsentlig del af at kunne </a:t>
-            </a:r>
-            <a:r>
-              <a:rPr lang="da-DK" altLang="da-DK" sz="1600" dirty="0" smtClean="0"/>
-              <a:t>programmere</a:t>
-            </a:r>
-            <a:endParaRPr lang="da-DK" altLang="da-DK" sz="1600" dirty="0" smtClean="0"/>
-          </a:p>
-          <a:p>
-            <a:pPr marL="742950" lvl="1" indent="-285750">
-              <a:spcBef>
-                <a:spcPts val="600"/>
-              </a:spcBef>
-              <a:buFontTx/>
-              <a:buChar char="–"/>
-            </a:pPr>
-            <a:endParaRPr lang="da-DK" altLang="da-DK" sz="1600" dirty="0" smtClean="0"/>
+            <a:endParaRPr lang="da-DK" sz="1600" dirty="0"/>
           </a:p>
         </p:txBody>
       </p:sp>
     </p:spTree>
     <p:extLst>
       <p:ext uri="{BB962C8B-B14F-4D97-AF65-F5344CB8AC3E}">
-        <p14:creationId xmlns:p14="http://schemas.microsoft.com/office/powerpoint/2010/main" val="38965180"/>
+        <p14:creationId xmlns:p14="http://schemas.microsoft.com/office/powerpoint/2010/main" val="3628856991"/>
       </p:ext>
     </p:extLst>
   </p:cSld>
@@ -4840,6 +4952,664 @@
         </p:nvSpPr>
         <p:spPr bwMode="auto">
           <a:xfrm>
+            <a:off x="391376" y="260648"/>
+            <a:ext cx="8793295" cy="682625"/>
+          </a:xfrm>
+          <a:prstGeom prst="rect">
+            <a:avLst/>
+          </a:prstGeom>
+          <a:noFill/>
+          <a:ln>
+            <a:noFill/>
+          </a:ln>
+          <a:extLst>
+            <a:ext uri="{909E8E84-426E-40DD-AFC4-6F175D3DCCD1}">
+              <a14:hiddenFill xmlns:a14="http://schemas.microsoft.com/office/drawing/2010/main">
+                <a:solidFill>
+                  <a:srgbClr val="FFFFFF"/>
+                </a:solidFill>
+              </a14:hiddenFill>
+            </a:ext>
+            <a:ext uri="{91240B29-F687-4F45-9708-019B960494DF}">
+              <a14:hiddenLine xmlns:a14="http://schemas.microsoft.com/office/drawing/2010/main" w="9525">
+                <a:solidFill>
+                  <a:srgbClr val="000000"/>
+                </a:solidFill>
+                <a:miter lim="800000"/>
+                <a:headEnd/>
+                <a:tailEnd/>
+              </a14:hiddenLine>
+            </a:ext>
+          </a:extLst>
+        </p:spPr>
+        <p:txBody>
+          <a:bodyPr anchor="ctr"/>
+          <a:lstStyle>
+            <a:lvl1pPr algn="l" rtl="0" eaLnBrk="0" fontAlgn="base" hangingPunct="0">
+              <a:spcBef>
+                <a:spcPct val="0"/>
+              </a:spcBef>
+              <a:spcAft>
+                <a:spcPct val="0"/>
+              </a:spcAft>
+              <a:defRPr sz="3600" b="1">
+                <a:solidFill>
+                  <a:srgbClr val="000066"/>
+                </a:solidFill>
+                <a:latin typeface="+mj-lt"/>
+                <a:ea typeface="ＭＳ Ｐゴシック" pitchFamily="-107" charset="-128"/>
+                <a:cs typeface="ＭＳ Ｐゴシック" pitchFamily="-107" charset="-128"/>
+              </a:defRPr>
+            </a:lvl1pPr>
+            <a:lvl2pPr algn="l" rtl="0" eaLnBrk="0" fontAlgn="base" hangingPunct="0">
+              <a:spcBef>
+                <a:spcPct val="0"/>
+              </a:spcBef>
+              <a:spcAft>
+                <a:spcPct val="0"/>
+              </a:spcAft>
+              <a:defRPr sz="3600" b="1">
+                <a:solidFill>
+                  <a:srgbClr val="000066"/>
+                </a:solidFill>
+                <a:latin typeface="Arial" charset="0"/>
+                <a:ea typeface="ＭＳ Ｐゴシック" pitchFamily="-107" charset="-128"/>
+                <a:cs typeface="ＭＳ Ｐゴシック" pitchFamily="-107" charset="-128"/>
+              </a:defRPr>
+            </a:lvl2pPr>
+            <a:lvl3pPr algn="l" rtl="0" eaLnBrk="0" fontAlgn="base" hangingPunct="0">
+              <a:spcBef>
+                <a:spcPct val="0"/>
+              </a:spcBef>
+              <a:spcAft>
+                <a:spcPct val="0"/>
+              </a:spcAft>
+              <a:defRPr sz="3600" b="1">
+                <a:solidFill>
+                  <a:srgbClr val="000066"/>
+                </a:solidFill>
+                <a:latin typeface="Arial" charset="0"/>
+                <a:ea typeface="ＭＳ Ｐゴシック" pitchFamily="-107" charset="-128"/>
+                <a:cs typeface="ＭＳ Ｐゴシック" pitchFamily="-107" charset="-128"/>
+              </a:defRPr>
+            </a:lvl3pPr>
+            <a:lvl4pPr algn="l" rtl="0" eaLnBrk="0" fontAlgn="base" hangingPunct="0">
+              <a:spcBef>
+                <a:spcPct val="0"/>
+              </a:spcBef>
+              <a:spcAft>
+                <a:spcPct val="0"/>
+              </a:spcAft>
+              <a:defRPr sz="3600" b="1">
+                <a:solidFill>
+                  <a:srgbClr val="000066"/>
+                </a:solidFill>
+                <a:latin typeface="Arial" charset="0"/>
+                <a:ea typeface="ＭＳ Ｐゴシック" pitchFamily="-107" charset="-128"/>
+                <a:cs typeface="ＭＳ Ｐゴシック" pitchFamily="-107" charset="-128"/>
+              </a:defRPr>
+            </a:lvl4pPr>
+            <a:lvl5pPr algn="l" rtl="0" eaLnBrk="0" fontAlgn="base" hangingPunct="0">
+              <a:spcBef>
+                <a:spcPct val="0"/>
+              </a:spcBef>
+              <a:spcAft>
+                <a:spcPct val="0"/>
+              </a:spcAft>
+              <a:defRPr sz="3600" b="1">
+                <a:solidFill>
+                  <a:srgbClr val="000066"/>
+                </a:solidFill>
+                <a:latin typeface="Arial" charset="0"/>
+                <a:ea typeface="ＭＳ Ｐゴシック" pitchFamily="-107" charset="-128"/>
+                <a:cs typeface="ＭＳ Ｐゴシック" pitchFamily="-107" charset="-128"/>
+              </a:defRPr>
+            </a:lvl5pPr>
+            <a:lvl6pPr marL="457200" algn="l" rtl="0" fontAlgn="base">
+              <a:spcBef>
+                <a:spcPct val="0"/>
+              </a:spcBef>
+              <a:spcAft>
+                <a:spcPct val="0"/>
+              </a:spcAft>
+              <a:defRPr sz="3600" b="1">
+                <a:solidFill>
+                  <a:srgbClr val="000066"/>
+                </a:solidFill>
+                <a:latin typeface="Arial" charset="0"/>
+              </a:defRPr>
+            </a:lvl6pPr>
+            <a:lvl7pPr marL="914400" algn="l" rtl="0" fontAlgn="base">
+              <a:spcBef>
+                <a:spcPct val="0"/>
+              </a:spcBef>
+              <a:spcAft>
+                <a:spcPct val="0"/>
+              </a:spcAft>
+              <a:defRPr sz="3600" b="1">
+                <a:solidFill>
+                  <a:srgbClr val="000066"/>
+                </a:solidFill>
+                <a:latin typeface="Arial" charset="0"/>
+              </a:defRPr>
+            </a:lvl7pPr>
+            <a:lvl8pPr marL="1371600" algn="l" rtl="0" fontAlgn="base">
+              <a:spcBef>
+                <a:spcPct val="0"/>
+              </a:spcBef>
+              <a:spcAft>
+                <a:spcPct val="0"/>
+              </a:spcAft>
+              <a:defRPr sz="3600" b="1">
+                <a:solidFill>
+                  <a:srgbClr val="000066"/>
+                </a:solidFill>
+                <a:latin typeface="Arial" charset="0"/>
+              </a:defRPr>
+            </a:lvl8pPr>
+            <a:lvl9pPr marL="1828800" algn="l" rtl="0" fontAlgn="base">
+              <a:spcBef>
+                <a:spcPct val="0"/>
+              </a:spcBef>
+              <a:spcAft>
+                <a:spcPct val="0"/>
+              </a:spcAft>
+              <a:defRPr sz="3600" b="1">
+                <a:solidFill>
+                  <a:srgbClr val="000066"/>
+                </a:solidFill>
+                <a:latin typeface="Arial" charset="0"/>
+              </a:defRPr>
+            </a:lvl9pPr>
+          </a:lstStyle>
+          <a:p>
+            <a:pPr marL="271463" indent="-271463"/>
+            <a:r>
+              <a:rPr lang="da-DK" altLang="da-DK" sz="2800" dirty="0" smtClean="0"/>
+              <a:t>Afleveringsopgaverne</a:t>
+            </a:r>
+            <a:endParaRPr lang="da-DK" altLang="da-DK" sz="2800" dirty="0"/>
+          </a:p>
+        </p:txBody>
+      </p:sp>
+      <p:sp>
+        <p:nvSpPr>
+          <p:cNvPr id="8" name="Content Placeholder 2"/>
+          <p:cNvSpPr txBox="1">
+            <a:spLocks/>
+          </p:cNvSpPr>
+          <p:nvPr/>
+        </p:nvSpPr>
+        <p:spPr bwMode="auto">
+          <a:xfrm>
+            <a:off x="611560" y="1052736"/>
+            <a:ext cx="8424936" cy="5400600"/>
+          </a:xfrm>
+          <a:prstGeom prst="rect">
+            <a:avLst/>
+          </a:prstGeom>
+          <a:noFill/>
+          <a:ln>
+            <a:noFill/>
+          </a:ln>
+          <a:extLst>
+            <a:ext uri="{909E8E84-426E-40DD-AFC4-6F175D3DCCD1}">
+              <a14:hiddenFill xmlns:a14="http://schemas.microsoft.com/office/drawing/2010/main">
+                <a:solidFill>
+                  <a:srgbClr val="FFFFFF"/>
+                </a:solidFill>
+              </a14:hiddenFill>
+            </a:ext>
+            <a:ext uri="{91240B29-F687-4F45-9708-019B960494DF}">
+              <a14:hiddenLine xmlns:a14="http://schemas.microsoft.com/office/drawing/2010/main" w="9525">
+                <a:solidFill>
+                  <a:srgbClr val="000000"/>
+                </a:solidFill>
+                <a:miter lim="800000"/>
+                <a:headEnd/>
+                <a:tailEnd/>
+              </a14:hiddenLine>
+            </a:ext>
+          </a:extLst>
+        </p:spPr>
+        <p:txBody>
+          <a:bodyPr/>
+          <a:lstStyle>
+            <a:lvl1pPr eaLnBrk="0" hangingPunct="0">
+              <a:spcBef>
+                <a:spcPct val="20000"/>
+              </a:spcBef>
+              <a:buChar char="•"/>
+              <a:defRPr sz="2400" b="1">
+                <a:solidFill>
+                  <a:srgbClr val="A50021"/>
+                </a:solidFill>
+                <a:latin typeface="Arial" pitchFamily="34" charset="0"/>
+                <a:ea typeface="ＭＳ Ｐゴシック" pitchFamily="34" charset="-128"/>
+              </a:defRPr>
+            </a:lvl1pPr>
+            <a:lvl2pPr eaLnBrk="0" hangingPunct="0">
+              <a:spcBef>
+                <a:spcPct val="20000"/>
+              </a:spcBef>
+              <a:buChar char="–"/>
+              <a:defRPr sz="2000">
+                <a:solidFill>
+                  <a:srgbClr val="000066"/>
+                </a:solidFill>
+                <a:latin typeface="Arial" pitchFamily="34" charset="0"/>
+                <a:ea typeface="ＭＳ Ｐゴシック" pitchFamily="34" charset="-128"/>
+              </a:defRPr>
+            </a:lvl2pPr>
+            <a:lvl3pPr eaLnBrk="0" hangingPunct="0">
+              <a:spcBef>
+                <a:spcPct val="20000"/>
+              </a:spcBef>
+              <a:buChar char="•"/>
+              <a:defRPr sz="1600">
+                <a:solidFill>
+                  <a:schemeClr val="tx1"/>
+                </a:solidFill>
+                <a:latin typeface="Arial" pitchFamily="34" charset="0"/>
+                <a:ea typeface="ＭＳ Ｐゴシック" pitchFamily="34" charset="-128"/>
+              </a:defRPr>
+            </a:lvl3pPr>
+            <a:lvl4pPr eaLnBrk="0" hangingPunct="0">
+              <a:spcBef>
+                <a:spcPct val="20000"/>
+              </a:spcBef>
+              <a:buChar char="–"/>
+              <a:defRPr sz="1600">
+                <a:solidFill>
+                  <a:schemeClr val="tx1"/>
+                </a:solidFill>
+                <a:latin typeface="Times New Roman" pitchFamily="18" charset="0"/>
+                <a:ea typeface="ＭＳ Ｐゴシック" pitchFamily="34" charset="-128"/>
+              </a:defRPr>
+            </a:lvl4pPr>
+            <a:lvl5pPr eaLnBrk="0" hangingPunct="0">
+              <a:spcBef>
+                <a:spcPct val="20000"/>
+              </a:spcBef>
+              <a:buChar char="»"/>
+              <a:defRPr sz="1200">
+                <a:solidFill>
+                  <a:schemeClr val="tx1"/>
+                </a:solidFill>
+                <a:latin typeface="Times New Roman" pitchFamily="18" charset="0"/>
+                <a:ea typeface="ＭＳ Ｐゴシック" pitchFamily="34" charset="-128"/>
+              </a:defRPr>
+            </a:lvl5pPr>
+            <a:lvl6pPr eaLnBrk="0" fontAlgn="base" hangingPunct="0">
+              <a:spcBef>
+                <a:spcPct val="20000"/>
+              </a:spcBef>
+              <a:spcAft>
+                <a:spcPct val="0"/>
+              </a:spcAft>
+              <a:buChar char="»"/>
+              <a:defRPr sz="1200">
+                <a:solidFill>
+                  <a:schemeClr val="tx1"/>
+                </a:solidFill>
+                <a:latin typeface="Times New Roman" pitchFamily="18" charset="0"/>
+                <a:ea typeface="ＭＳ Ｐゴシック" pitchFamily="34" charset="-128"/>
+              </a:defRPr>
+            </a:lvl6pPr>
+            <a:lvl7pPr eaLnBrk="0" fontAlgn="base" hangingPunct="0">
+              <a:spcBef>
+                <a:spcPct val="20000"/>
+              </a:spcBef>
+              <a:spcAft>
+                <a:spcPct val="0"/>
+              </a:spcAft>
+              <a:buChar char="»"/>
+              <a:defRPr sz="1200">
+                <a:solidFill>
+                  <a:schemeClr val="tx1"/>
+                </a:solidFill>
+                <a:latin typeface="Times New Roman" pitchFamily="18" charset="0"/>
+                <a:ea typeface="ＭＳ Ｐゴシック" pitchFamily="34" charset="-128"/>
+              </a:defRPr>
+            </a:lvl7pPr>
+            <a:lvl8pPr eaLnBrk="0" fontAlgn="base" hangingPunct="0">
+              <a:spcBef>
+                <a:spcPct val="20000"/>
+              </a:spcBef>
+              <a:spcAft>
+                <a:spcPct val="0"/>
+              </a:spcAft>
+              <a:buChar char="»"/>
+              <a:defRPr sz="1200">
+                <a:solidFill>
+                  <a:schemeClr val="tx1"/>
+                </a:solidFill>
+                <a:latin typeface="Times New Roman" pitchFamily="18" charset="0"/>
+                <a:ea typeface="ＭＳ Ｐゴシック" pitchFamily="34" charset="-128"/>
+              </a:defRPr>
+            </a:lvl8pPr>
+            <a:lvl9pPr eaLnBrk="0" fontAlgn="base" hangingPunct="0">
+              <a:spcBef>
+                <a:spcPct val="20000"/>
+              </a:spcBef>
+              <a:spcAft>
+                <a:spcPct val="0"/>
+              </a:spcAft>
+              <a:buChar char="»"/>
+              <a:defRPr sz="1200">
+                <a:solidFill>
+                  <a:schemeClr val="tx1"/>
+                </a:solidFill>
+                <a:latin typeface="Times New Roman" pitchFamily="18" charset="0"/>
+                <a:ea typeface="ＭＳ Ｐゴシック" pitchFamily="34" charset="-128"/>
+              </a:defRPr>
+            </a:lvl9pPr>
+          </a:lstStyle>
+          <a:p>
+            <a:pPr marL="271463" lvl="1" indent="-271463">
+              <a:spcBef>
+                <a:spcPts val="1800"/>
+              </a:spcBef>
+              <a:buFontTx/>
+              <a:buChar char="•"/>
+            </a:pPr>
+            <a:r>
+              <a:rPr lang="da-DK" altLang="da-DK" sz="1800" b="1" spc="-80" dirty="0" smtClean="0">
+                <a:solidFill>
+                  <a:srgbClr val="A50021"/>
+                </a:solidFill>
+              </a:rPr>
+              <a:t>I Quiz 4 var jeres gennemsnitlige vurdering af pensummets sværhedsgrad 3,18</a:t>
+            </a:r>
+          </a:p>
+          <a:p>
+            <a:pPr marL="742950" lvl="1" indent="-285750">
+              <a:spcBef>
+                <a:spcPts val="600"/>
+              </a:spcBef>
+            </a:pPr>
+            <a:r>
+              <a:rPr lang="da-DK" altLang="da-DK" sz="1600" dirty="0" smtClean="0"/>
+              <a:t>Det er meget lavere end sidste gang, hvor den var 3,92</a:t>
+            </a:r>
+          </a:p>
+          <a:p>
+            <a:pPr marL="742950" lvl="1" indent="-285750">
+              <a:spcBef>
+                <a:spcPts val="600"/>
+              </a:spcBef>
+            </a:pPr>
+            <a:r>
+              <a:rPr lang="da-DK" altLang="da-DK" sz="1600" dirty="0" smtClean="0"/>
+              <a:t>Nogle skriver i kommentarerne, at de ikke helt forstår interfaces</a:t>
+            </a:r>
+          </a:p>
+          <a:p>
+            <a:pPr marL="742950" lvl="1" indent="-285750">
+              <a:spcBef>
+                <a:spcPts val="600"/>
+              </a:spcBef>
+            </a:pPr>
+            <a:r>
+              <a:rPr lang="da-DK" altLang="da-DK" sz="1600" dirty="0"/>
+              <a:t>D</a:t>
+            </a:r>
+            <a:r>
+              <a:rPr lang="da-DK" altLang="da-DK" sz="1600" dirty="0" smtClean="0"/>
+              <a:t>et er noget, som vi kommer tilbage til på seminar 7, hvor der er en forelæsning om interfaces og abstrakte klasser</a:t>
+            </a:r>
+          </a:p>
+          <a:p>
+            <a:pPr marL="271463" lvl="1" indent="-271463">
+              <a:spcBef>
+                <a:spcPts val="1200"/>
+              </a:spcBef>
+              <a:buFontTx/>
+              <a:buChar char="•"/>
+            </a:pPr>
+            <a:r>
+              <a:rPr lang="da-DK" altLang="da-DK" sz="1800" b="1" spc="-40" dirty="0" smtClean="0">
+                <a:solidFill>
+                  <a:srgbClr val="A50021"/>
+                </a:solidFill>
+              </a:rPr>
+              <a:t>I har klaret </a:t>
+            </a:r>
+            <a:r>
+              <a:rPr lang="da-DK" altLang="da-DK" sz="1800" b="1" spc="-40" smtClean="0">
+                <a:solidFill>
+                  <a:srgbClr val="A50021"/>
+                </a:solidFill>
+              </a:rPr>
+              <a:t>køreprøvesættene flot</a:t>
+            </a:r>
+            <a:endParaRPr lang="da-DK" altLang="da-DK" sz="1800" b="1" spc="-40" dirty="0" smtClean="0">
+              <a:solidFill>
+                <a:srgbClr val="A50021"/>
+              </a:solidFill>
+            </a:endParaRPr>
+          </a:p>
+          <a:p>
+            <a:pPr marL="742950" lvl="1" indent="-285750">
+              <a:spcBef>
+                <a:spcPts val="600"/>
+              </a:spcBef>
+              <a:buFontTx/>
+              <a:buChar char="–"/>
+            </a:pPr>
+            <a:r>
+              <a:rPr lang="da-DK" altLang="da-DK" sz="1600" dirty="0" smtClean="0"/>
+              <a:t>Meget få genafleveringer</a:t>
+            </a:r>
+          </a:p>
+          <a:p>
+            <a:pPr marL="271463" lvl="1" indent="-271463">
+              <a:spcBef>
+                <a:spcPts val="1200"/>
+              </a:spcBef>
+              <a:buFontTx/>
+              <a:buChar char="•"/>
+            </a:pPr>
+            <a:r>
+              <a:rPr lang="da-DK" altLang="da-DK" sz="1800" b="1" spc="-40" dirty="0">
+                <a:solidFill>
+                  <a:srgbClr val="A50021"/>
+                </a:solidFill>
+              </a:rPr>
+              <a:t>I har klaret Quiz </a:t>
+            </a:r>
+            <a:r>
+              <a:rPr lang="da-DK" altLang="da-DK" sz="1800" b="1" spc="-40" dirty="0" smtClean="0">
+                <a:solidFill>
+                  <a:srgbClr val="A50021"/>
+                </a:solidFill>
+              </a:rPr>
+              <a:t>4 flot</a:t>
+            </a:r>
+            <a:endParaRPr lang="da-DK" altLang="da-DK" sz="1800" b="1" spc="-40" dirty="0">
+              <a:solidFill>
+                <a:srgbClr val="A50021"/>
+              </a:solidFill>
+            </a:endParaRPr>
+          </a:p>
+          <a:p>
+            <a:pPr marL="742950" lvl="1" indent="-285750">
+              <a:spcBef>
+                <a:spcPts val="600"/>
+              </a:spcBef>
+              <a:buFontTx/>
+              <a:buChar char="–"/>
+            </a:pPr>
+            <a:r>
+              <a:rPr lang="da-DK" altLang="da-DK" sz="1600" dirty="0" smtClean="0"/>
+              <a:t>I brugte 1,40 forsøg pr spørgsmål (mod 1,42 i foråret 2022)</a:t>
+            </a:r>
+            <a:endParaRPr lang="da-DK" altLang="da-DK" sz="1600" dirty="0"/>
+          </a:p>
+          <a:p>
+            <a:pPr marL="271463" lvl="1" indent="-271463">
+              <a:spcBef>
+                <a:spcPts val="1200"/>
+              </a:spcBef>
+              <a:buFontTx/>
+              <a:buChar char="•"/>
+            </a:pPr>
+            <a:r>
+              <a:rPr lang="da-DK" altLang="da-DK" sz="1800" b="1" spc="-40" dirty="0">
+                <a:solidFill>
+                  <a:srgbClr val="A50021"/>
+                </a:solidFill>
+              </a:rPr>
+              <a:t>I opgiver ofte lidt for let, når der er </a:t>
+            </a:r>
+            <a:r>
+              <a:rPr lang="da-DK" altLang="da-DK" sz="1800" b="1" spc="-40" dirty="0" smtClean="0">
+                <a:solidFill>
+                  <a:srgbClr val="A50021"/>
+                </a:solidFill>
+              </a:rPr>
+              <a:t>problemer i opgaverne</a:t>
+            </a:r>
+            <a:endParaRPr lang="da-DK" altLang="da-DK" sz="1800" b="1" spc="-40" dirty="0">
+              <a:solidFill>
+                <a:srgbClr val="A50021"/>
+              </a:solidFill>
+            </a:endParaRPr>
+          </a:p>
+          <a:p>
+            <a:pPr marL="742950" lvl="1" indent="-285750">
+              <a:spcBef>
+                <a:spcPts val="600"/>
+              </a:spcBef>
+            </a:pPr>
+            <a:r>
+              <a:rPr lang="da-DK" altLang="da-DK" sz="1600" dirty="0"/>
+              <a:t>Hvis testserveren underkende en metode, bliver I nødt til at nærlæse den kode I har skrevet for den pågældende metode</a:t>
+            </a:r>
+          </a:p>
+          <a:p>
+            <a:pPr marL="742950" lvl="1" indent="-285750">
+              <a:spcBef>
+                <a:spcPts val="600"/>
+              </a:spcBef>
+            </a:pPr>
+            <a:r>
+              <a:rPr lang="da-DK" altLang="da-DK" sz="1600" dirty="0"/>
+              <a:t>Ofte </a:t>
+            </a:r>
+            <a:r>
+              <a:rPr lang="da-DK" altLang="da-DK" sz="1600" dirty="0" smtClean="0"/>
+              <a:t>drejer </a:t>
+            </a:r>
+            <a:r>
+              <a:rPr lang="da-DK" altLang="da-DK" sz="1600" dirty="0"/>
+              <a:t>det sig om ganske få linjer</a:t>
+            </a:r>
+          </a:p>
+          <a:p>
+            <a:pPr marL="742950" lvl="1" indent="-285750">
+              <a:spcBef>
+                <a:spcPts val="600"/>
+              </a:spcBef>
+            </a:pPr>
+            <a:r>
+              <a:rPr lang="da-DK" altLang="da-DK" sz="1600" dirty="0"/>
+              <a:t>Kig hver linje grundigt igennem og læg specielt mærke til parenteser, semikolonner, kommaer og lignende</a:t>
+            </a:r>
+          </a:p>
+          <a:p>
+            <a:pPr marL="742950" lvl="1" indent="-285750">
+              <a:spcBef>
+                <a:spcPts val="600"/>
+              </a:spcBef>
+            </a:pPr>
+            <a:r>
+              <a:rPr lang="da-DK" altLang="da-DK" sz="1600" dirty="0"/>
+              <a:t>Tjek </a:t>
+            </a:r>
+            <a:r>
+              <a:rPr lang="da-DK" altLang="da-DK" sz="1600" dirty="0" smtClean="0"/>
+              <a:t>også, </a:t>
+            </a:r>
+            <a:r>
+              <a:rPr lang="da-DK" altLang="da-DK" sz="1600" dirty="0"/>
+              <a:t>at I bruger de korrekte navne (i forhold til opgaveformuleringen)</a:t>
+            </a:r>
+          </a:p>
+          <a:p>
+            <a:pPr marL="742950" lvl="1" indent="-285750">
+              <a:spcBef>
+                <a:spcPts val="600"/>
+              </a:spcBef>
+            </a:pPr>
+            <a:r>
+              <a:rPr lang="da-DK" altLang="da-DK" sz="1600" dirty="0"/>
+              <a:t>Debugging er en væsentlig del af at kunne </a:t>
+            </a:r>
+            <a:r>
+              <a:rPr lang="da-DK" altLang="da-DK" sz="1600" dirty="0" smtClean="0"/>
+              <a:t>programmere</a:t>
+            </a:r>
+          </a:p>
+          <a:p>
+            <a:pPr marL="742950" lvl="1" indent="-285750">
+              <a:spcBef>
+                <a:spcPts val="600"/>
+              </a:spcBef>
+              <a:buFontTx/>
+              <a:buChar char="–"/>
+            </a:pPr>
+            <a:endParaRPr lang="da-DK" altLang="da-DK" sz="1600" dirty="0" smtClean="0"/>
+          </a:p>
+        </p:txBody>
+      </p:sp>
+    </p:spTree>
+    <p:extLst>
+      <p:ext uri="{BB962C8B-B14F-4D97-AF65-F5344CB8AC3E}">
+        <p14:creationId xmlns:p14="http://schemas.microsoft.com/office/powerpoint/2010/main" val="38965180"/>
+      </p:ext>
+    </p:extLst>
+  </p:cSld>
+  <p:clrMapOvr>
+    <a:masterClrMapping/>
+  </p:clrMapOvr>
+  <p:timing>
+    <p:tnLst>
+      <p:par>
+        <p:cTn id="1" dur="indefinite" restart="never" nodeType="tmRoot"/>
+      </p:par>
+    </p:tnLst>
+  </p:timing>
+</p:sld>
+</file>
+
+<file path=ppt/slides/slide4.xml><?xml version="1.0" encoding="utf-8"?>
+<p:sld xmlns:a="http://schemas.openxmlformats.org/drawingml/2006/main" xmlns:r="http://schemas.openxmlformats.org/officeDocument/2006/relationships" xmlns:p="http://schemas.openxmlformats.org/presentationml/2006/main">
+  <p:cSld>
+    <p:spTree>
+      <p:nvGrpSpPr>
+        <p:cNvPr id="1" name=""/>
+        <p:cNvGrpSpPr/>
+        <p:nvPr/>
+      </p:nvGrpSpPr>
+      <p:grpSpPr>
+        <a:xfrm>
+          <a:off x="0" y="0"/>
+          <a:ext cx="0" cy="0"/>
+          <a:chOff x="0" y="0"/>
+          <a:chExt cx="0" cy="0"/>
+        </a:xfrm>
+      </p:grpSpPr>
+      <p:sp>
+        <p:nvSpPr>
+          <p:cNvPr id="4" name="Title 1"/>
+          <p:cNvSpPr txBox="1">
+            <a:spLocks/>
+          </p:cNvSpPr>
+          <p:nvPr/>
+        </p:nvSpPr>
+        <p:spPr bwMode="auto">
+          <a:xfrm>
             <a:off x="459225" y="260349"/>
             <a:ext cx="8793295" cy="682625"/>
           </a:xfrm>
@@ -5357,15 +6127,7 @@
                   <a:srgbClr val="A50021"/>
                 </a:solidFill>
               </a:rPr>
-              <a:t>I </a:t>
-            </a:r>
-            <a:r>
-              <a:rPr lang="da-DK" altLang="da-DK" sz="1800" b="1" spc="-40" dirty="0" smtClean="0">
-                <a:solidFill>
-                  <a:srgbClr val="A50021"/>
-                </a:solidFill>
-              </a:rPr>
-              <a:t>kan også bruge Studiecaféen </a:t>
+              <a:t>I kan også bruge Studiecaféen </a:t>
             </a:r>
             <a:r>
               <a:rPr lang="da-DK" altLang="da-DK" sz="1800" b="1" spc="-40" dirty="0">

--- a/web/g22/status/Status5.pptx
+++ b/web/g22/status/Status5.pptx
@@ -5319,71 +5319,17 @@
                   <a:srgbClr val="A50021"/>
                 </a:solidFill>
               </a:rPr>
-              <a:t>I Quiz 4 var jeres gennemsnitlige vurdering af pensummets sværhedsgrad 3,18</a:t>
-            </a:r>
-          </a:p>
-          <a:p>
-            <a:pPr marL="742950" lvl="1" indent="-285750">
-              <a:spcBef>
-                <a:spcPts val="600"/>
-              </a:spcBef>
-            </a:pPr>
-            <a:r>
-              <a:rPr lang="da-DK" altLang="da-DK" sz="1600" dirty="0" smtClean="0"/>
-              <a:t>Det er meget lavere end sidste gang, hvor den var 3,92</a:t>
-            </a:r>
-          </a:p>
-          <a:p>
-            <a:pPr marL="742950" lvl="1" indent="-285750">
-              <a:spcBef>
-                <a:spcPts val="600"/>
-              </a:spcBef>
-            </a:pPr>
-            <a:r>
-              <a:rPr lang="da-DK" altLang="da-DK" sz="1600" dirty="0" smtClean="0"/>
-              <a:t>Nogle skriver i kommentarerne, at de ikke helt forstår interfaces</a:t>
-            </a:r>
-          </a:p>
-          <a:p>
-            <a:pPr marL="742950" lvl="1" indent="-285750">
-              <a:spcBef>
-                <a:spcPts val="600"/>
-              </a:spcBef>
-            </a:pPr>
-            <a:r>
-              <a:rPr lang="da-DK" altLang="da-DK" sz="1600" dirty="0"/>
-              <a:t>D</a:t>
-            </a:r>
-            <a:r>
-              <a:rPr lang="da-DK" altLang="da-DK" sz="1600" dirty="0" smtClean="0"/>
-              <a:t>et er noget, som vi kommer tilbage til på seminar 7, hvor der er en forelæsning om interfaces og abstrakte klasser</a:t>
-            </a:r>
-          </a:p>
-          <a:p>
-            <a:pPr marL="271463" lvl="1" indent="-271463">
-              <a:spcBef>
-                <a:spcPts val="1200"/>
-              </a:spcBef>
-              <a:buFontTx/>
-              <a:buChar char="•"/>
-            </a:pPr>
-            <a:r>
-              <a:rPr lang="da-DK" altLang="da-DK" sz="1800" b="1" spc="-40" dirty="0" smtClean="0">
+              <a:t>I Quiz 4 var jeres gennemsnitlige vurdering af pensummets sværhedsgrad </a:t>
+            </a:r>
+            <a:r>
+              <a:rPr lang="da-DK" altLang="da-DK" sz="1800" b="1" spc="-80" dirty="0" smtClean="0">
                 <a:solidFill>
                   <a:srgbClr val="A50021"/>
                 </a:solidFill>
               </a:rPr>
-              <a:t>I har klaret </a:t>
-            </a:r>
-            <a:r>
-              <a:rPr lang="da-DK" altLang="da-DK" sz="1800" b="1" spc="-40" smtClean="0">
-                <a:solidFill>
-                  <a:srgbClr val="A50021"/>
-                </a:solidFill>
-              </a:rPr>
-              <a:t>køreprøvesættene flot</a:t>
-            </a:r>
-            <a:endParaRPr lang="da-DK" altLang="da-DK" sz="1800" b="1" spc="-40" dirty="0" smtClean="0">
+              <a:t>3,17</a:t>
+            </a:r>
+            <a:endParaRPr lang="da-DK" altLang="da-DK" sz="1800" b="1" spc="-80" dirty="0" smtClean="0">
               <a:solidFill>
                 <a:srgbClr val="A50021"/>
               </a:solidFill>
@@ -5394,6 +5340,60 @@
               <a:spcBef>
                 <a:spcPts val="600"/>
               </a:spcBef>
+            </a:pPr>
+            <a:r>
+              <a:rPr lang="da-DK" altLang="da-DK" sz="1600" dirty="0" smtClean="0"/>
+              <a:t>Det er meget lavere end sidste gang, hvor den var 3,92</a:t>
+            </a:r>
+          </a:p>
+          <a:p>
+            <a:pPr marL="742950" lvl="1" indent="-285750">
+              <a:spcBef>
+                <a:spcPts val="600"/>
+              </a:spcBef>
+            </a:pPr>
+            <a:r>
+              <a:rPr lang="da-DK" altLang="da-DK" sz="1600" dirty="0" smtClean="0"/>
+              <a:t>Nogle skriver i kommentarerne, at de ikke helt forstår interfaces</a:t>
+            </a:r>
+          </a:p>
+          <a:p>
+            <a:pPr marL="742950" lvl="1" indent="-285750">
+              <a:spcBef>
+                <a:spcPts val="600"/>
+              </a:spcBef>
+            </a:pPr>
+            <a:r>
+              <a:rPr lang="da-DK" altLang="da-DK" sz="1600" dirty="0"/>
+              <a:t>D</a:t>
+            </a:r>
+            <a:r>
+              <a:rPr lang="da-DK" altLang="da-DK" sz="1600" dirty="0" smtClean="0"/>
+              <a:t>et er noget, som vi kommer tilbage til på seminar 7, hvor der er en forelæsning om interfaces og abstrakte klasser</a:t>
+            </a:r>
+          </a:p>
+          <a:p>
+            <a:pPr marL="271463" lvl="1" indent="-271463">
+              <a:spcBef>
+                <a:spcPts val="1200"/>
+              </a:spcBef>
+              <a:buFontTx/>
+              <a:buChar char="•"/>
+            </a:pPr>
+            <a:r>
+              <a:rPr lang="da-DK" altLang="da-DK" sz="1800" b="1" spc="-40" dirty="0" smtClean="0">
+                <a:solidFill>
+                  <a:srgbClr val="A50021"/>
+                </a:solidFill>
+              </a:rPr>
+              <a:t>I har klaret køreprøvesættene flot</a:t>
+            </a:r>
+          </a:p>
+          <a:p>
+            <a:pPr marL="742950" lvl="1" indent="-285750">
+              <a:spcBef>
+                <a:spcPts val="600"/>
+              </a:spcBef>
               <a:buFontTx/>
               <a:buChar char="–"/>
             </a:pPr>
@@ -5424,7 +5424,15 @@
                   <a:srgbClr val="A50021"/>
                 </a:solidFill>
               </a:rPr>
-              <a:t>4 flot</a:t>
+              <a:t>4 </a:t>
+            </a:r>
+            <a:r>
+              <a:rPr lang="da-DK" altLang="da-DK" sz="1800" b="1" spc="-40" dirty="0" smtClean="0">
+                <a:solidFill>
+                  <a:srgbClr val="A50021"/>
+                </a:solidFill>
+              </a:rPr>
+              <a:t>ok</a:t>
             </a:r>
             <a:endParaRPr lang="da-DK" altLang="da-DK" sz="1800" b="1" spc="-40" dirty="0">
               <a:solidFill>
@@ -5442,7 +5450,15 @@
             </a:pPr>
             <a:r>
               <a:rPr lang="da-DK" altLang="da-DK" sz="1600" dirty="0" smtClean="0"/>
-              <a:t>I brugte 1,40 forsøg pr spørgsmål (mod 1,42 i foråret 2022)</a:t>
+              <a:t>I brugte </a:t>
+            </a:r>
+            <a:r>
+              <a:rPr lang="da-DK" altLang="da-DK" sz="1600" dirty="0" smtClean="0"/>
+              <a:t>1,52 </a:t>
+            </a:r>
+            <a:r>
+              <a:rPr lang="da-DK" altLang="da-DK" sz="1600" dirty="0" smtClean="0"/>
+              <a:t>forsøg pr spørgsmål (mod 1,42 i foråret 2022)</a:t>
             </a:r>
             <a:endParaRPr lang="da-DK" altLang="da-DK" sz="1600" dirty="0"/>
           </a:p>
@@ -5977,7 +5993,23 @@
                   <a:srgbClr val="A50021"/>
                 </a:solidFill>
               </a:rPr>
-              <a:t>Fra og med seminar 5 bliver afleveringsopgaverne noget større og dermed lidt vanskeligere (til gengæld er der bedre tid til dem)</a:t>
+              <a:t>Fra og med seminar 5 bliver afleveringsopgaverne noget større og dermed lidt vanskeligere (til gengæld er der </a:t>
+            </a:r>
+            <a:r>
+              <a:rPr lang="da-DK" altLang="da-DK" b="1" spc="-40" dirty="0" smtClean="0">
+                <a:solidFill>
+                  <a:srgbClr val="A50021"/>
+                </a:solidFill>
+              </a:rPr>
+              <a:t>færre af </a:t>
+            </a:r>
+            <a:r>
+              <a:rPr lang="da-DK" altLang="da-DK" b="1" spc="-40" dirty="0">
+                <a:solidFill>
+                  <a:srgbClr val="A50021"/>
+                </a:solidFill>
+              </a:rPr>
+              <a:t>dem)</a:t>
             </a:r>
           </a:p>
           <a:p>

--- a/web/g22/status/Status5.pptx
+++ b/web/g22/status/Status5.pptx
@@ -4393,6 +4393,448 @@
           </a:p>
         </p:txBody>
       </p:sp>
+      <p:sp>
+        <p:nvSpPr>
+          <p:cNvPr id="6" name="Content Placeholder 2"/>
+          <p:cNvSpPr txBox="1">
+            <a:spLocks/>
+          </p:cNvSpPr>
+          <p:nvPr/>
+        </p:nvSpPr>
+        <p:spPr bwMode="auto">
+          <a:xfrm>
+            <a:off x="447451" y="3898304"/>
+            <a:ext cx="8523991" cy="2664296"/>
+          </a:xfrm>
+          <a:prstGeom prst="rect">
+            <a:avLst/>
+          </a:prstGeom>
+          <a:noFill/>
+          <a:ln>
+            <a:noFill/>
+          </a:ln>
+          <a:extLst>
+            <a:ext uri="{909E8E84-426E-40DD-AFC4-6F175D3DCCD1}">
+              <a14:hiddenFill xmlns:a14="http://schemas.microsoft.com/office/drawing/2010/main">
+                <a:solidFill>
+                  <a:srgbClr val="FFFFFF"/>
+                </a:solidFill>
+              </a14:hiddenFill>
+            </a:ext>
+            <a:ext uri="{91240B29-F687-4F45-9708-019B960494DF}">
+              <a14:hiddenLine xmlns:a14="http://schemas.microsoft.com/office/drawing/2010/main" w="9525">
+                <a:solidFill>
+                  <a:srgbClr val="000000"/>
+                </a:solidFill>
+                <a:miter lim="800000"/>
+                <a:headEnd/>
+                <a:tailEnd/>
+              </a14:hiddenLine>
+            </a:ext>
+          </a:extLst>
+        </p:spPr>
+        <p:txBody>
+          <a:bodyPr/>
+          <a:lstStyle>
+            <a:lvl1pPr eaLnBrk="0" hangingPunct="0">
+              <a:spcBef>
+                <a:spcPct val="20000"/>
+              </a:spcBef>
+              <a:buChar char="•"/>
+              <a:defRPr sz="2400" b="1">
+                <a:solidFill>
+                  <a:srgbClr val="A50021"/>
+                </a:solidFill>
+                <a:latin typeface="Arial" pitchFamily="34" charset="0"/>
+                <a:ea typeface="ＭＳ Ｐゴシック" pitchFamily="34" charset="-128"/>
+              </a:defRPr>
+            </a:lvl1pPr>
+            <a:lvl2pPr eaLnBrk="0" hangingPunct="0">
+              <a:spcBef>
+                <a:spcPct val="20000"/>
+              </a:spcBef>
+              <a:buChar char="–"/>
+              <a:defRPr sz="2000">
+                <a:solidFill>
+                  <a:srgbClr val="000066"/>
+                </a:solidFill>
+                <a:latin typeface="Arial" pitchFamily="34" charset="0"/>
+                <a:ea typeface="ＭＳ Ｐゴシック" pitchFamily="34" charset="-128"/>
+              </a:defRPr>
+            </a:lvl2pPr>
+            <a:lvl3pPr eaLnBrk="0" hangingPunct="0">
+              <a:spcBef>
+                <a:spcPct val="20000"/>
+              </a:spcBef>
+              <a:buChar char="•"/>
+              <a:defRPr sz="1600">
+                <a:solidFill>
+                  <a:schemeClr val="tx1"/>
+                </a:solidFill>
+                <a:latin typeface="Arial" pitchFamily="34" charset="0"/>
+                <a:ea typeface="ＭＳ Ｐゴシック" pitchFamily="34" charset="-128"/>
+              </a:defRPr>
+            </a:lvl3pPr>
+            <a:lvl4pPr eaLnBrk="0" hangingPunct="0">
+              <a:spcBef>
+                <a:spcPct val="20000"/>
+              </a:spcBef>
+              <a:buChar char="–"/>
+              <a:defRPr sz="1600">
+                <a:solidFill>
+                  <a:schemeClr val="tx1"/>
+                </a:solidFill>
+                <a:latin typeface="Times New Roman" pitchFamily="18" charset="0"/>
+                <a:ea typeface="ＭＳ Ｐゴシック" pitchFamily="34" charset="-128"/>
+              </a:defRPr>
+            </a:lvl4pPr>
+            <a:lvl5pPr eaLnBrk="0" hangingPunct="0">
+              <a:spcBef>
+                <a:spcPct val="20000"/>
+              </a:spcBef>
+              <a:buChar char="»"/>
+              <a:defRPr sz="1200">
+                <a:solidFill>
+                  <a:schemeClr val="tx1"/>
+                </a:solidFill>
+                <a:latin typeface="Times New Roman" pitchFamily="18" charset="0"/>
+                <a:ea typeface="ＭＳ Ｐゴシック" pitchFamily="34" charset="-128"/>
+              </a:defRPr>
+            </a:lvl5pPr>
+            <a:lvl6pPr eaLnBrk="0" fontAlgn="base" hangingPunct="0">
+              <a:spcBef>
+                <a:spcPct val="20000"/>
+              </a:spcBef>
+              <a:spcAft>
+                <a:spcPct val="0"/>
+              </a:spcAft>
+              <a:buChar char="»"/>
+              <a:defRPr sz="1200">
+                <a:solidFill>
+                  <a:schemeClr val="tx1"/>
+                </a:solidFill>
+                <a:latin typeface="Times New Roman" pitchFamily="18" charset="0"/>
+                <a:ea typeface="ＭＳ Ｐゴシック" pitchFamily="34" charset="-128"/>
+              </a:defRPr>
+            </a:lvl6pPr>
+            <a:lvl7pPr eaLnBrk="0" fontAlgn="base" hangingPunct="0">
+              <a:spcBef>
+                <a:spcPct val="20000"/>
+              </a:spcBef>
+              <a:spcAft>
+                <a:spcPct val="0"/>
+              </a:spcAft>
+              <a:buChar char="»"/>
+              <a:defRPr sz="1200">
+                <a:solidFill>
+                  <a:schemeClr val="tx1"/>
+                </a:solidFill>
+                <a:latin typeface="Times New Roman" pitchFamily="18" charset="0"/>
+                <a:ea typeface="ＭＳ Ｐゴシック" pitchFamily="34" charset="-128"/>
+              </a:defRPr>
+            </a:lvl7pPr>
+            <a:lvl8pPr eaLnBrk="0" fontAlgn="base" hangingPunct="0">
+              <a:spcBef>
+                <a:spcPct val="20000"/>
+              </a:spcBef>
+              <a:spcAft>
+                <a:spcPct val="0"/>
+              </a:spcAft>
+              <a:buChar char="»"/>
+              <a:defRPr sz="1200">
+                <a:solidFill>
+                  <a:schemeClr val="tx1"/>
+                </a:solidFill>
+                <a:latin typeface="Times New Roman" pitchFamily="18" charset="0"/>
+                <a:ea typeface="ＭＳ Ｐゴシック" pitchFamily="34" charset="-128"/>
+              </a:defRPr>
+            </a:lvl8pPr>
+            <a:lvl9pPr eaLnBrk="0" fontAlgn="base" hangingPunct="0">
+              <a:spcBef>
+                <a:spcPct val="20000"/>
+              </a:spcBef>
+              <a:spcAft>
+                <a:spcPct val="0"/>
+              </a:spcAft>
+              <a:buChar char="»"/>
+              <a:defRPr sz="1200">
+                <a:solidFill>
+                  <a:schemeClr val="tx1"/>
+                </a:solidFill>
+                <a:latin typeface="Times New Roman" pitchFamily="18" charset="0"/>
+                <a:ea typeface="ＭＳ Ｐゴシック" pitchFamily="34" charset="-128"/>
+              </a:defRPr>
+            </a:lvl9pPr>
+          </a:lstStyle>
+          <a:p>
+            <a:pPr marL="342900" lvl="1" indent="-342900" eaLnBrk="1" hangingPunct="1">
+              <a:spcBef>
+                <a:spcPts val="1800"/>
+              </a:spcBef>
+              <a:buChar char="•"/>
+              <a:tabLst>
+                <a:tab pos="1520825" algn="l"/>
+              </a:tabLst>
+            </a:pPr>
+            <a:r>
+              <a:rPr lang="da-DK" altLang="da-DK" sz="1800" b="1" dirty="0">
+                <a:solidFill>
+                  <a:srgbClr val="A50021"/>
+                </a:solidFill>
+                <a:cs typeface="ＭＳ Ｐゴシック" pitchFamily="-106" charset="-128"/>
+              </a:rPr>
+              <a:t>I har nu haft </a:t>
+            </a:r>
+            <a:r>
+              <a:rPr lang="da-DK" altLang="da-DK" sz="1800" b="1" dirty="0" smtClean="0">
+                <a:solidFill>
+                  <a:srgbClr val="A50021"/>
+                </a:solidFill>
+                <a:cs typeface="ＭＳ Ｐゴシック" pitchFamily="-106" charset="-128"/>
+              </a:rPr>
+              <a:t>8 </a:t>
+            </a:r>
+            <a:r>
+              <a:rPr lang="da-DK" altLang="da-DK" sz="1800" b="1" dirty="0">
+                <a:solidFill>
+                  <a:srgbClr val="A50021"/>
+                </a:solidFill>
+                <a:cs typeface="ＭＳ Ｐゴシック" pitchFamily="-106" charset="-128"/>
+              </a:rPr>
+              <a:t>forelæsninger og </a:t>
+            </a:r>
+            <a:r>
+              <a:rPr lang="da-DK" altLang="da-DK" sz="1800" b="1" dirty="0" smtClean="0">
+                <a:solidFill>
+                  <a:srgbClr val="A50021"/>
+                </a:solidFill>
+                <a:cs typeface="ＭＳ Ｐゴシック" pitchFamily="-106" charset="-128"/>
+              </a:rPr>
+              <a:t>afleveret 13 opgaver</a:t>
+            </a:r>
+            <a:endParaRPr lang="da-DK" altLang="da-DK" sz="1800" b="1" dirty="0">
+              <a:solidFill>
+                <a:srgbClr val="A50021"/>
+              </a:solidFill>
+              <a:cs typeface="ＭＳ Ｐゴシック" pitchFamily="-106" charset="-128"/>
+            </a:endParaRPr>
+          </a:p>
+          <a:p>
+            <a:pPr marL="742950" lvl="1" indent="-285750">
+              <a:spcBef>
+                <a:spcPts val="400"/>
+              </a:spcBef>
+              <a:tabLst>
+                <a:tab pos="1520825" algn="l"/>
+              </a:tabLst>
+            </a:pPr>
+            <a:r>
+              <a:rPr lang="da-DK" altLang="da-DK" sz="1600" dirty="0" smtClean="0"/>
+              <a:t>5 </a:t>
+            </a:r>
+            <a:r>
+              <a:rPr lang="da-DK" altLang="da-DK" sz="1600" dirty="0"/>
+              <a:t>programmeringsopgaver (Raflebæger, </a:t>
+            </a:r>
+            <a:r>
+              <a:rPr lang="da-DK" altLang="da-DK" sz="1600" dirty="0"/>
+              <a:t>og Skildpadde)</a:t>
+            </a:r>
+            <a:endParaRPr lang="da-DK" altLang="da-DK" sz="1600" dirty="0"/>
+          </a:p>
+          <a:p>
+            <a:pPr marL="742950" lvl="1" indent="-285750">
+              <a:spcBef>
+                <a:spcPts val="400"/>
+              </a:spcBef>
+              <a:tabLst>
+                <a:tab pos="1520825" algn="l"/>
+              </a:tabLst>
+            </a:pPr>
+            <a:r>
+              <a:rPr lang="da-DK" altLang="da-DK" sz="1600" dirty="0" smtClean="0"/>
+              <a:t>4 </a:t>
+            </a:r>
+            <a:r>
+              <a:rPr lang="da-DK" altLang="da-DK" sz="1600" dirty="0"/>
+              <a:t>køreprøvesæt</a:t>
+            </a:r>
+          </a:p>
+          <a:p>
+            <a:pPr marL="742950" lvl="1" indent="-285750">
+              <a:spcBef>
+                <a:spcPts val="400"/>
+              </a:spcBef>
+              <a:tabLst>
+                <a:tab pos="1520825" algn="l"/>
+              </a:tabLst>
+            </a:pPr>
+            <a:r>
+              <a:rPr lang="da-DK" altLang="da-DK" sz="1600" dirty="0" smtClean="0"/>
+              <a:t>4 </a:t>
+            </a:r>
+            <a:r>
+              <a:rPr lang="da-DK" altLang="da-DK" sz="1600" dirty="0"/>
+              <a:t>quizzer</a:t>
+            </a:r>
+          </a:p>
+          <a:p>
+            <a:pPr marL="342900" lvl="1" indent="-342900" eaLnBrk="1" hangingPunct="1">
+              <a:spcBef>
+                <a:spcPts val="1200"/>
+              </a:spcBef>
+              <a:buChar char="•"/>
+              <a:tabLst>
+                <a:tab pos="1520825" algn="l"/>
+              </a:tabLst>
+            </a:pPr>
+            <a:r>
+              <a:rPr lang="da-DK" altLang="da-DK" sz="1800" b="1" spc="-20" dirty="0" smtClean="0">
+                <a:solidFill>
+                  <a:srgbClr val="A50021"/>
+                </a:solidFill>
+                <a:cs typeface="ＭＳ Ｐゴシック" pitchFamily="-106" charset="-128"/>
+              </a:rPr>
+              <a:t>I </a:t>
+            </a:r>
+            <a:r>
+              <a:rPr lang="da-DK" altLang="da-DK" sz="1800" b="1" spc="-20" dirty="0">
+                <a:solidFill>
+                  <a:srgbClr val="A50021"/>
+                </a:solidFill>
+                <a:cs typeface="ＭＳ Ｐゴシック" pitchFamily="-106" charset="-128"/>
+              </a:rPr>
+              <a:t>mangler </a:t>
+            </a:r>
+            <a:r>
+              <a:rPr lang="da-DK" altLang="da-DK" sz="1800" b="1" spc="-20" dirty="0" smtClean="0">
+                <a:solidFill>
+                  <a:srgbClr val="A50021"/>
+                </a:solidFill>
+                <a:cs typeface="ＭＳ Ｐゴシック" pitchFamily="-106" charset="-128"/>
+              </a:rPr>
+              <a:t>nu </a:t>
+            </a:r>
+            <a:r>
+              <a:rPr lang="da-DK" altLang="da-DK" sz="1800" b="1" spc="-20" dirty="0">
+                <a:solidFill>
+                  <a:srgbClr val="A50021"/>
+                </a:solidFill>
+                <a:cs typeface="ＭＳ Ｐゴシック" pitchFamily="-106" charset="-128"/>
+              </a:rPr>
+              <a:t>kun </a:t>
+            </a:r>
+            <a:r>
+              <a:rPr lang="da-DK" altLang="da-DK" sz="1800" b="1" spc="-20" dirty="0" smtClean="0">
+                <a:solidFill>
+                  <a:srgbClr val="A50021"/>
+                </a:solidFill>
+                <a:cs typeface="ＭＳ Ｐゴシック" pitchFamily="-106" charset="-128"/>
+              </a:rPr>
+              <a:t>7 forelæsninger og 6 programmeringsopgaver (+ 1 quiz)</a:t>
+            </a:r>
+            <a:endParaRPr lang="da-DK" altLang="da-DK" sz="1800" b="1" spc="-20" dirty="0">
+              <a:solidFill>
+                <a:srgbClr val="A50021"/>
+              </a:solidFill>
+              <a:cs typeface="ＭＳ Ｐゴシック" pitchFamily="-106" charset="-128"/>
+            </a:endParaRPr>
+          </a:p>
+          <a:p>
+            <a:pPr marL="742950" lvl="1" indent="-285750">
+              <a:spcBef>
+                <a:spcPts val="400"/>
+              </a:spcBef>
+              <a:tabLst>
+                <a:tab pos="1520825" algn="l"/>
+              </a:tabLst>
+            </a:pPr>
+            <a:r>
+              <a:rPr lang="da-DK" altLang="da-DK" sz="1600" spc="-40" dirty="0" smtClean="0"/>
+              <a:t>Opgaverne </a:t>
+            </a:r>
+            <a:r>
+              <a:rPr lang="da-DK" altLang="da-DK" sz="1600" spc="-40" dirty="0"/>
+              <a:t>er </a:t>
+            </a:r>
+            <a:r>
+              <a:rPr lang="da-DK" altLang="da-DK" sz="1600" spc="-40" dirty="0" smtClean="0"/>
+              <a:t>større </a:t>
+            </a:r>
+            <a:r>
+              <a:rPr lang="da-DK" altLang="da-DK" sz="1600" spc="-40" dirty="0"/>
+              <a:t>end dem, som I hidtil har haft, men de enkelte dele er ikke </a:t>
+            </a:r>
+            <a:r>
+              <a:rPr lang="da-DK" altLang="da-DK" sz="1600" spc="-40" dirty="0" smtClean="0"/>
+              <a:t>sværere</a:t>
+            </a:r>
+            <a:endParaRPr lang="da-DK" altLang="da-DK" sz="1600" spc="-40" dirty="0"/>
+          </a:p>
+          <a:p>
+            <a:pPr marL="742950" lvl="1" indent="-285750">
+              <a:spcBef>
+                <a:spcPts val="400"/>
+              </a:spcBef>
+              <a:tabLst>
+                <a:tab pos="1520825" algn="l"/>
+              </a:tabLst>
+            </a:pPr>
+            <a:r>
+              <a:rPr lang="da-DK" altLang="da-DK" sz="1600" spc="-40" dirty="0"/>
+              <a:t>Al erfaring viser, at </a:t>
+            </a:r>
+            <a:r>
+              <a:rPr lang="da-DK" altLang="da-DK" sz="1600" spc="-40" dirty="0"/>
+              <a:t>når </a:t>
+            </a:r>
+            <a:r>
+              <a:rPr lang="da-DK" altLang="da-DK" sz="1600" spc="-40" dirty="0"/>
+              <a:t>I </a:t>
+            </a:r>
+            <a:r>
+              <a:rPr lang="da-DK" altLang="da-DK" sz="1600" spc="-40" dirty="0"/>
+              <a:t>har klaret </a:t>
+            </a:r>
+            <a:r>
+              <a:rPr lang="da-DK" altLang="da-DK" sz="1600" spc="-40" dirty="0"/>
+              <a:t>opgaverne </a:t>
+            </a:r>
+            <a:r>
+              <a:rPr lang="da-DK" altLang="da-DK" sz="1600" spc="-40" dirty="0"/>
+              <a:t>indtil nu, kan </a:t>
+            </a:r>
+            <a:r>
+              <a:rPr lang="da-DK" altLang="da-DK" sz="1600" spc="-40" dirty="0"/>
+              <a:t>I også klare de sidste </a:t>
+            </a:r>
+            <a:r>
+              <a:rPr lang="da-DK" altLang="da-DK" sz="1600" spc="-40" dirty="0"/>
+              <a:t>seks</a:t>
+            </a:r>
+            <a:endParaRPr lang="da-DK" altLang="da-DK" sz="1600" spc="-40" dirty="0"/>
+          </a:p>
+          <a:p>
+            <a:pPr marL="742950" lvl="1" indent="-285750">
+              <a:spcBef>
+                <a:spcPts val="400"/>
+              </a:spcBef>
+              <a:tabLst>
+                <a:tab pos="1520825" algn="l"/>
+              </a:tabLst>
+            </a:pPr>
+            <a:r>
+              <a:rPr lang="da-DK" altLang="da-DK" sz="1600" dirty="0"/>
+              <a:t>Der er stort set ingen, der falder fra i kursets sidste </a:t>
+            </a:r>
+            <a:r>
+              <a:rPr lang="da-DK" altLang="da-DK" sz="1600" dirty="0" smtClean="0"/>
+              <a:t>halvdel</a:t>
+            </a:r>
+            <a:endParaRPr lang="da-DK" altLang="da-DK" sz="1600" dirty="0"/>
+          </a:p>
+        </p:txBody>
+      </p:sp>
     </p:spTree>
     <p:extLst>
       <p:ext uri="{BB962C8B-B14F-4D97-AF65-F5344CB8AC3E}">
@@ -5319,21 +5761,8 @@
                   <a:srgbClr val="A50021"/>
                 </a:solidFill>
               </a:rPr>
-              <a:t>I Quiz 4 var jeres gennemsnitlige vurdering af pensummets sværhedsgrad </a:t>
-            </a:r>
-            <a:r>
-              <a:rPr lang="da-DK" altLang="da-DK" sz="1800" b="1" spc="-80" dirty="0" smtClean="0">
-                <a:solidFill>
-                  <a:srgbClr val="A50021"/>
-                </a:solidFill>
-              </a:rPr>
-              <a:t>3,17</a:t>
-            </a:r>
-            <a:endParaRPr lang="da-DK" altLang="da-DK" sz="1800" b="1" spc="-80" dirty="0" smtClean="0">
-              <a:solidFill>
-                <a:srgbClr val="A50021"/>
-              </a:solidFill>
-            </a:endParaRPr>
+              <a:t>I Quiz 4 var jeres gennemsnitlige vurdering af pensummets sværhedsgrad 3,17</a:t>
+            </a:r>
           </a:p>
           <a:p>
             <a:pPr marL="742950" lvl="1" indent="-285750">
@@ -5424,15 +5853,7 @@
                   <a:srgbClr val="A50021"/>
                 </a:solidFill>
               </a:rPr>
-              <a:t>4 </a:t>
-            </a:r>
-            <a:r>
-              <a:rPr lang="da-DK" altLang="da-DK" sz="1800" b="1" spc="-40" dirty="0" smtClean="0">
-                <a:solidFill>
-                  <a:srgbClr val="A50021"/>
-                </a:solidFill>
-              </a:rPr>
-              <a:t>ok</a:t>
+              <a:t>4 ok</a:t>
             </a:r>
             <a:endParaRPr lang="da-DK" altLang="da-DK" sz="1800" b="1" spc="-40" dirty="0">
               <a:solidFill>
@@ -5450,15 +5871,7 @@
             </a:pPr>
             <a:r>
               <a:rPr lang="da-DK" altLang="da-DK" sz="1600" dirty="0" smtClean="0"/>
-              <a:t>I brugte </a:t>
-            </a:r>
-            <a:r>
-              <a:rPr lang="da-DK" altLang="da-DK" sz="1600" dirty="0" smtClean="0"/>
-              <a:t>1,52 </a:t>
-            </a:r>
-            <a:r>
-              <a:rPr lang="da-DK" altLang="da-DK" sz="1600" dirty="0" smtClean="0"/>
-              <a:t>forsøg pr spørgsmål (mod 1,42 i foråret 2022)</a:t>
+              <a:t>I brugte 1,52 forsøg pr spørgsmål (mod 1,42 i foråret 2022)</a:t>
             </a:r>
             <a:endParaRPr lang="da-DK" altLang="da-DK" sz="1600" dirty="0"/>
           </a:p>

--- a/web/g22/status/Status5.pptx
+++ b/web/g22/status/Status5.pptx
@@ -4634,13 +4634,8 @@
             </a:r>
             <a:r>
               <a:rPr lang="da-DK" altLang="da-DK" sz="1600" dirty="0"/>
-              <a:t>programmeringsopgaver (Raflebæger, </a:t>
-            </a:r>
-            <a:r>
-              <a:rPr lang="da-DK" altLang="da-DK" sz="1600" dirty="0"/>
-              <a:t>og Skildpadde)</a:t>
-            </a:r>
-            <a:endParaRPr lang="da-DK" altLang="da-DK" sz="1600" dirty="0"/>
+              <a:t>programmeringsopgaver (Raflebæger, og Skildpadde)</a:t>
+            </a:r>
           </a:p>
           <a:p>
             <a:pPr marL="742950" lvl="1" indent="-285750">
@@ -4782,37 +4777,8 @@
             </a:pPr>
             <a:r>
               <a:rPr lang="da-DK" altLang="da-DK" sz="1600" spc="-40" dirty="0"/>
-              <a:t>Al erfaring viser, at </a:t>
-            </a:r>
-            <a:r>
-              <a:rPr lang="da-DK" altLang="da-DK" sz="1600" spc="-40" dirty="0"/>
-              <a:t>når </a:t>
-            </a:r>
-            <a:r>
-              <a:rPr lang="da-DK" altLang="da-DK" sz="1600" spc="-40" dirty="0"/>
-              <a:t>I </a:t>
-            </a:r>
-            <a:r>
-              <a:rPr lang="da-DK" altLang="da-DK" sz="1600" spc="-40" dirty="0"/>
-              <a:t>har klaret </a:t>
-            </a:r>
-            <a:r>
-              <a:rPr lang="da-DK" altLang="da-DK" sz="1600" spc="-40" dirty="0"/>
-              <a:t>opgaverne </a:t>
-            </a:r>
-            <a:r>
-              <a:rPr lang="da-DK" altLang="da-DK" sz="1600" spc="-40" dirty="0"/>
-              <a:t>indtil nu, kan </a:t>
-            </a:r>
-            <a:r>
-              <a:rPr lang="da-DK" altLang="da-DK" sz="1600" spc="-40" dirty="0"/>
-              <a:t>I også klare de sidste </a:t>
-            </a:r>
-            <a:r>
-              <a:rPr lang="da-DK" altLang="da-DK" sz="1600" spc="-40" dirty="0"/>
-              <a:t>seks</a:t>
-            </a:r>
-            <a:endParaRPr lang="da-DK" altLang="da-DK" sz="1600" spc="-40" dirty="0"/>
+              <a:t>Al erfaring viser, at når I har klaret opgaverne indtil nu, kan I også klare de sidste seks</a:t>
+            </a:r>
           </a:p>
           <a:p>
             <a:pPr marL="742950" lvl="1" indent="-285750">
@@ -5077,7 +5043,7 @@
         <p:spPr bwMode="auto">
           <a:xfrm>
             <a:off x="447451" y="1124744"/>
-            <a:ext cx="8373021" cy="3816424"/>
+            <a:ext cx="8373021" cy="5328592"/>
           </a:xfrm>
           <a:prstGeom prst="rect">
             <a:avLst/>
@@ -5327,7 +5293,78 @@
               <a:rPr lang="da-DK" sz="1600" dirty="0" smtClean="0"/>
               <a:t>med</a:t>
             </a:r>
+          </a:p>
+          <a:p>
+            <a:pPr marL="285750" lvl="1" indent="-285750">
+              <a:spcBef>
+                <a:spcPts val="1800"/>
+              </a:spcBef>
+              <a:buChar char="•"/>
+            </a:pPr>
+            <a:r>
+              <a:rPr lang="da-DK" sz="1800" b="1" dirty="0">
+                <a:solidFill>
+                  <a:srgbClr val="A50021"/>
+                </a:solidFill>
+              </a:rPr>
+              <a:t>Ændringer i </a:t>
+            </a:r>
+            <a:r>
+              <a:rPr lang="da-DK" sz="1800" b="1" dirty="0" smtClean="0">
+                <a:solidFill>
+                  <a:srgbClr val="A50021"/>
+                </a:solidFill>
+              </a:rPr>
+              <a:t>programmeringsparrene?</a:t>
+            </a:r>
+            <a:endParaRPr lang="da-DK" sz="1800" b="1" dirty="0">
+              <a:solidFill>
+                <a:srgbClr val="A50021"/>
+              </a:solidFill>
+            </a:endParaRPr>
+          </a:p>
+          <a:p>
+            <a:pPr marL="742950" lvl="1" indent="-285750">
+              <a:spcBef>
+                <a:spcPts val="600"/>
+              </a:spcBef>
+            </a:pPr>
+            <a:r>
+              <a:rPr lang="da-DK" sz="1600" dirty="0"/>
+              <a:t>De sidste seks afleveringsopgaver på kurset afleveres </a:t>
+            </a:r>
+            <a:r>
+              <a:rPr lang="da-DK" sz="1600" dirty="0" smtClean="0"/>
+              <a:t>parvis</a:t>
+            </a:r>
+          </a:p>
+          <a:p>
+            <a:pPr marL="742950" lvl="1" indent="-285750">
+              <a:spcBef>
+                <a:spcPts val="600"/>
+              </a:spcBef>
+            </a:pPr>
+            <a:r>
+              <a:rPr lang="da-DK" sz="1600" dirty="0" smtClean="0"/>
+              <a:t>Hvis </a:t>
+            </a:r>
+            <a:r>
+              <a:rPr lang="da-DK" sz="1600" dirty="0"/>
+              <a:t>der er ønsker om at lave om i de eksisterende programmeringspar, er det nu det skal </a:t>
+            </a:r>
+            <a:r>
+              <a:rPr lang="da-DK" sz="1600" dirty="0" smtClean="0"/>
+              <a:t>ske</a:t>
+            </a:r>
             <a:endParaRPr lang="da-DK" sz="1600" dirty="0"/>
+          </a:p>
+          <a:p>
+            <a:pPr marL="742950" lvl="1" indent="-285750">
+              <a:spcBef>
+                <a:spcPts val="600"/>
+              </a:spcBef>
+            </a:pPr>
+            <a:endParaRPr lang="da-DK" sz="1600" dirty="0" smtClean="0"/>
           </a:p>
           <a:p>
             <a:pPr marL="742950" lvl="1" indent="-285750">
@@ -5828,7 +5865,11 @@
             </a:pPr>
             <a:r>
               <a:rPr lang="da-DK" altLang="da-DK" sz="1600" dirty="0" smtClean="0"/>
-              <a:t>Meget få genafleveringer</a:t>
+              <a:t>Få </a:t>
+            </a:r>
+            <a:r>
+              <a:rPr lang="da-DK" altLang="da-DK" sz="1600" dirty="0" smtClean="0"/>
+              <a:t>genafleveringer</a:t>
             </a:r>
           </a:p>
           <a:p>
@@ -6230,7 +6271,7 @@
         <p:spPr bwMode="auto">
           <a:xfrm>
             <a:off x="404799" y="1071208"/>
-            <a:ext cx="8352928" cy="5805264"/>
+            <a:ext cx="8352928" cy="5238112"/>
           </a:xfrm>
           <a:prstGeom prst="rect">
             <a:avLst/>
@@ -6401,7 +6442,7 @@
               <a:buChar char="•"/>
             </a:pPr>
             <a:r>
-              <a:rPr lang="da-DK" altLang="da-DK" b="1" spc="-40" dirty="0">
+              <a:rPr lang="da-DK" altLang="da-DK" sz="1800" b="1" spc="-40" dirty="0">
                 <a:solidFill>
                   <a:srgbClr val="A50021"/>
                 </a:solidFill>
@@ -6409,7 +6450,7 @@
               <a:t>Fra og med seminar 5 bliver afleveringsopgaverne noget større og dermed lidt vanskeligere (til gengæld er der </a:t>
             </a:r>
             <a:r>
-              <a:rPr lang="da-DK" altLang="da-DK" b="1" spc="-40" dirty="0" smtClean="0">
+              <a:rPr lang="da-DK" altLang="da-DK" sz="1800" b="1" spc="-40" dirty="0" smtClean="0">
                 <a:solidFill>
                   <a:srgbClr val="A50021"/>
                 </a:solidFill>
@@ -6417,7 +6458,7 @@
               <a:t>færre af </a:t>
             </a:r>
             <a:r>
-              <a:rPr lang="da-DK" altLang="da-DK" b="1" spc="-40" dirty="0">
+              <a:rPr lang="da-DK" altLang="da-DK" sz="1800" b="1" spc="-40" dirty="0">
                 <a:solidFill>
                   <a:srgbClr val="A50021"/>
                 </a:solidFill>
@@ -6432,7 +6473,7 @@
               </a:spcBef>
             </a:pPr>
             <a:r>
-              <a:rPr lang="da-DK" altLang="da-DK" sz="1800" dirty="0"/>
+              <a:rPr lang="da-DK" altLang="da-DK" sz="1600" dirty="0"/>
               <a:t>I kan selvfølgelig stadig få hjælp via diskussionsforummet og studiecaféerne fredag eftermiddag kl 15-17</a:t>
             </a:r>
           </a:p>
@@ -6445,7 +6486,7 @@
               <a:buChar char="•"/>
             </a:pPr>
             <a:r>
-              <a:rPr lang="da-DK" altLang="da-DK" b="1" dirty="0" smtClean="0">
+              <a:rPr lang="da-DK" altLang="da-DK" sz="1800" b="1" dirty="0" smtClean="0">
                 <a:solidFill>
                   <a:srgbClr val="A50021"/>
                 </a:solidFill>
@@ -6453,7 +6494,7 @@
               <a:t>Læs </a:t>
             </a:r>
             <a:r>
-              <a:rPr lang="da-DK" altLang="da-DK" b="1" dirty="0">
+              <a:rPr lang="da-DK" altLang="da-DK" sz="1800" b="1" dirty="0">
                 <a:solidFill>
                   <a:srgbClr val="A50021"/>
                 </a:solidFill>
@@ -6468,7 +6509,7 @@
               </a:spcBef>
             </a:pPr>
             <a:r>
-              <a:rPr lang="da-DK" altLang="da-DK" sz="1800" dirty="0"/>
+              <a:rPr lang="da-DK" altLang="da-DK" sz="1600" dirty="0"/>
               <a:t>Mange fejl skyldes, at man misforstår eller overser ting, der står i den</a:t>
             </a:r>
           </a:p>
@@ -6480,7 +6521,7 @@
               <a:buChar char="•"/>
             </a:pPr>
             <a:r>
-              <a:rPr lang="da-DK" b="1" dirty="0">
+              <a:rPr lang="da-DK" sz="1800" b="1" dirty="0">
                 <a:solidFill>
                   <a:srgbClr val="A50021"/>
                 </a:solidFill>
@@ -6495,11 +6536,11 @@
               </a:spcBef>
             </a:pPr>
             <a:r>
-              <a:rPr lang="da-DK" sz="1800" dirty="0"/>
+              <a:rPr lang="da-DK" sz="1600" dirty="0"/>
               <a:t>Læs instruktorens feedback til jer og forsøg så at udbedre </a:t>
             </a:r>
             <a:r>
-              <a:rPr lang="da-DK" sz="1800" b="1" dirty="0">
+              <a:rPr lang="da-DK" sz="1600" b="1" dirty="0">
                 <a:solidFill>
                   <a:srgbClr val="008000"/>
                 </a:solidFill>
@@ -6507,7 +6548,7 @@
               <a:t>alle</a:t>
             </a:r>
             <a:r>
-              <a:rPr lang="da-DK" sz="1800" dirty="0"/>
+              <a:rPr lang="da-DK" sz="1600" dirty="0"/>
               <a:t> de fejl og mangler, som han har påpeget</a:t>
             </a:r>
           </a:p>
@@ -6520,7 +6561,7 @@
               <a:buChar char="•"/>
             </a:pPr>
             <a:r>
-              <a:rPr lang="da-DK" altLang="da-DK" b="1" dirty="0" smtClean="0">
+              <a:rPr lang="da-DK" altLang="da-DK" sz="1800" b="1" dirty="0" smtClean="0">
                 <a:solidFill>
                   <a:srgbClr val="A50021"/>
                 </a:solidFill>
@@ -6528,7 +6569,7 @@
               <a:t>Testserveren </a:t>
             </a:r>
             <a:r>
-              <a:rPr lang="da-DK" altLang="da-DK" b="1" dirty="0">
+              <a:rPr lang="da-DK" altLang="da-DK" sz="1800" b="1" dirty="0">
                 <a:solidFill>
                   <a:srgbClr val="A50021"/>
                 </a:solidFill>
@@ -6543,18 +6584,18 @@
               </a:spcBef>
             </a:pPr>
             <a:r>
-              <a:rPr lang="da-DK" altLang="da-DK" sz="1800" spc="-40" dirty="0"/>
+              <a:rPr lang="da-DK" altLang="da-DK" sz="1600" spc="-40" dirty="0"/>
               <a:t>Til gengæld er det let for jer at konstatere om jeres program gør det rigtige</a:t>
             </a:r>
             <a:r>
-              <a:rPr lang="da-DK" altLang="da-DK" sz="1800" dirty="0"/>
+              <a:rPr lang="da-DK" altLang="da-DK" sz="1600" dirty="0"/>
               <a:t/>
             </a:r>
             <a:br>
-              <a:rPr lang="da-DK" altLang="da-DK" sz="1800" dirty="0"/>
+              <a:rPr lang="da-DK" altLang="da-DK" sz="1600" dirty="0"/>
             </a:br>
             <a:r>
-              <a:rPr lang="da-DK" altLang="da-DK" sz="1800" dirty="0"/>
+              <a:rPr lang="da-DK" altLang="da-DK" sz="1600" dirty="0"/>
               <a:t>(via den testmetode, som I skal skrive i opgave 4)</a:t>
             </a:r>
           </a:p>
@@ -6590,7 +6631,7 @@
               </a:spcBef>
             </a:pPr>
             <a:r>
-              <a:rPr lang="da-DK" altLang="da-DK" sz="1800" dirty="0"/>
+              <a:rPr lang="da-DK" altLang="da-DK" sz="1600" dirty="0"/>
               <a:t>jeres tidligere afleveringer (og instruktorens kommentarerne til dem)</a:t>
             </a:r>
           </a:p>
@@ -6601,7 +6642,7 @@
               </a:spcBef>
             </a:pPr>
             <a:r>
-              <a:rPr lang="da-DK" altLang="da-DK" sz="1800" dirty="0"/>
+              <a:rPr lang="da-DK" altLang="da-DK" sz="1600" dirty="0"/>
               <a:t>BlueJ bogen og mine slides</a:t>
             </a:r>
           </a:p>
@@ -6612,14 +6653,14 @@
               </a:spcBef>
             </a:pPr>
             <a:r>
-              <a:rPr lang="da-DK" altLang="da-DK" sz="1800" dirty="0"/>
+              <a:rPr lang="da-DK" altLang="da-DK" sz="1600" dirty="0"/>
               <a:t>alt andet, som I har problemer </a:t>
             </a:r>
             <a:r>
-              <a:rPr lang="da-DK" altLang="da-DK" sz="1800" dirty="0" smtClean="0"/>
+              <a:rPr lang="da-DK" altLang="da-DK" sz="1600" dirty="0" smtClean="0"/>
               <a:t>med</a:t>
             </a:r>
-            <a:endParaRPr lang="da-DK" altLang="da-DK" sz="1800" dirty="0"/>
+            <a:endParaRPr lang="da-DK" altLang="da-DK" sz="1600" dirty="0"/>
           </a:p>
         </p:txBody>
       </p:sp>
@@ -6631,7 +6672,7 @@
         </p:nvSpPr>
         <p:spPr>
           <a:xfrm rot="21165640">
-            <a:off x="5095949" y="6130194"/>
+            <a:off x="5023941" y="5937843"/>
             <a:ext cx="3280124" cy="523220"/>
           </a:xfrm>
           <a:prstGeom prst="rect">
